--- a/Semester #3/7. Digital Signal Processing/Notes/Discrete Fourier Transform_New.pptx
+++ b/Semester #3/7. Digital Signal Processing/Notes/Discrete Fourier Transform_New.pptx
@@ -138,6 +138,11 @@
       </a:defRPr>
     </a:lvl9pPr>
   </p:defaultTextStyle>
+  <p:extLst>
+    <p:ext uri="{EFAFB233-063F-42B5-8137-9DF3F51BA10A}">
+      <p15:sldGuideLst xmlns:p15="http://schemas.microsoft.com/office/powerpoint/2012/main"/>
+    </p:ext>
+  </p:extLst>
 </p:presentation>
 </file>
 
@@ -223,7 +228,7 @@
           <a:p>
             <a:fld id="{7836F741-36DD-42E2-B92E-5B709E58B082}" type="datetimeFigureOut">
               <a:rPr lang="en-IN" smtClean="0"/>
-              <a:t>18-10-2024</a:t>
+              <a:t>15-01-2025</a:t>
             </a:fld>
             <a:endParaRPr lang="en-IN"/>
           </a:p>
@@ -287,35 +292,35 @@
           <a:p>
             <a:pPr lvl="0"/>
             <a:r>
-              <a:rPr lang="en-US" smtClean="0"/>
+              <a:rPr lang="en-US"/>
               <a:t>Click to edit Master text styles</a:t>
             </a:r>
           </a:p>
           <a:p>
             <a:pPr lvl="1"/>
             <a:r>
-              <a:rPr lang="en-US" smtClean="0"/>
+              <a:rPr lang="en-US"/>
               <a:t>Second level</a:t>
             </a:r>
           </a:p>
           <a:p>
             <a:pPr lvl="2"/>
             <a:r>
-              <a:rPr lang="en-US" smtClean="0"/>
+              <a:rPr lang="en-US"/>
               <a:t>Third level</a:t>
             </a:r>
           </a:p>
           <a:p>
             <a:pPr lvl="3"/>
             <a:r>
-              <a:rPr lang="en-US" smtClean="0"/>
+              <a:rPr lang="en-US"/>
               <a:t>Fourth level</a:t>
             </a:r>
           </a:p>
           <a:p>
             <a:pPr lvl="4"/>
             <a:r>
-              <a:rPr lang="en-US" smtClean="0"/>
+              <a:rPr lang="en-US"/>
               <a:t>Fifth level</a:t>
             </a:r>
             <a:endParaRPr lang="en-IN"/>
@@ -560,7 +565,7 @@
           <a:lstStyle/>
           <a:p>
             <a:r>
-              <a:rPr lang="en-US" smtClean="0"/>
+              <a:rPr lang="en-US"/>
               <a:t>]i=k,</a:t>
             </a:r>
           </a:p>
@@ -788,7 +793,7 @@
           </a:lstStyle>
           <a:p>
             <a:r>
-              <a:rPr lang="en-US" smtClean="0"/>
+              <a:rPr lang="en-US"/>
               <a:t>Click to edit Master title style</a:t>
             </a:r>
             <a:endParaRPr lang="en-IN"/>
@@ -853,7 +858,7 @@
           </a:lstStyle>
           <a:p>
             <a:r>
-              <a:rPr lang="en-US" smtClean="0"/>
+              <a:rPr lang="en-US"/>
               <a:t>Click to edit Master subtitle style</a:t>
             </a:r>
             <a:endParaRPr lang="en-IN"/>
@@ -877,7 +882,7 @@
           <a:p>
             <a:fld id="{F75E89F5-4A52-46A9-99EB-675EAAFF8DFA}" type="datetimeFigureOut">
               <a:rPr lang="en-IN" smtClean="0"/>
-              <a:t>18-10-2024</a:t>
+              <a:t>15-01-2025</a:t>
             </a:fld>
             <a:endParaRPr lang="en-IN"/>
           </a:p>
@@ -971,7 +976,7 @@
           <a:lstStyle/>
           <a:p>
             <a:r>
-              <a:rPr lang="en-US" smtClean="0"/>
+              <a:rPr lang="en-US"/>
               <a:t>Click to edit Master title style</a:t>
             </a:r>
             <a:endParaRPr lang="en-IN"/>
@@ -995,35 +1000,35 @@
           <a:p>
             <a:pPr lvl="0"/>
             <a:r>
-              <a:rPr lang="en-US" smtClean="0"/>
+              <a:rPr lang="en-US"/>
               <a:t>Click to edit Master text styles</a:t>
             </a:r>
           </a:p>
           <a:p>
             <a:pPr lvl="1"/>
             <a:r>
-              <a:rPr lang="en-US" smtClean="0"/>
+              <a:rPr lang="en-US"/>
               <a:t>Second level</a:t>
             </a:r>
           </a:p>
           <a:p>
             <a:pPr lvl="2"/>
             <a:r>
-              <a:rPr lang="en-US" smtClean="0"/>
+              <a:rPr lang="en-US"/>
               <a:t>Third level</a:t>
             </a:r>
           </a:p>
           <a:p>
             <a:pPr lvl="3"/>
             <a:r>
-              <a:rPr lang="en-US" smtClean="0"/>
+              <a:rPr lang="en-US"/>
               <a:t>Fourth level</a:t>
             </a:r>
           </a:p>
           <a:p>
             <a:pPr lvl="4"/>
             <a:r>
-              <a:rPr lang="en-US" smtClean="0"/>
+              <a:rPr lang="en-US"/>
               <a:t>Fifth level</a:t>
             </a:r>
             <a:endParaRPr lang="en-IN"/>
@@ -1047,7 +1052,7 @@
           <a:p>
             <a:fld id="{F75E89F5-4A52-46A9-99EB-675EAAFF8DFA}" type="datetimeFigureOut">
               <a:rPr lang="en-IN" smtClean="0"/>
-              <a:t>18-10-2024</a:t>
+              <a:t>15-01-2025</a:t>
             </a:fld>
             <a:endParaRPr lang="en-IN"/>
           </a:p>
@@ -1146,7 +1151,7 @@
           <a:lstStyle/>
           <a:p>
             <a:r>
-              <a:rPr lang="en-US" smtClean="0"/>
+              <a:rPr lang="en-US"/>
               <a:t>Click to edit Master title style</a:t>
             </a:r>
             <a:endParaRPr lang="en-IN"/>
@@ -1175,35 +1180,35 @@
           <a:p>
             <a:pPr lvl="0"/>
             <a:r>
-              <a:rPr lang="en-US" smtClean="0"/>
+              <a:rPr lang="en-US"/>
               <a:t>Click to edit Master text styles</a:t>
             </a:r>
           </a:p>
           <a:p>
             <a:pPr lvl="1"/>
             <a:r>
-              <a:rPr lang="en-US" smtClean="0"/>
+              <a:rPr lang="en-US"/>
               <a:t>Second level</a:t>
             </a:r>
           </a:p>
           <a:p>
             <a:pPr lvl="2"/>
             <a:r>
-              <a:rPr lang="en-US" smtClean="0"/>
+              <a:rPr lang="en-US"/>
               <a:t>Third level</a:t>
             </a:r>
           </a:p>
           <a:p>
             <a:pPr lvl="3"/>
             <a:r>
-              <a:rPr lang="en-US" smtClean="0"/>
+              <a:rPr lang="en-US"/>
               <a:t>Fourth level</a:t>
             </a:r>
           </a:p>
           <a:p>
             <a:pPr lvl="4"/>
             <a:r>
-              <a:rPr lang="en-US" smtClean="0"/>
+              <a:rPr lang="en-US"/>
               <a:t>Fifth level</a:t>
             </a:r>
             <a:endParaRPr lang="en-IN"/>
@@ -1227,7 +1232,7 @@
           <a:p>
             <a:fld id="{F75E89F5-4A52-46A9-99EB-675EAAFF8DFA}" type="datetimeFigureOut">
               <a:rPr lang="en-IN" smtClean="0"/>
-              <a:t>18-10-2024</a:t>
+              <a:t>15-01-2025</a:t>
             </a:fld>
             <a:endParaRPr lang="en-IN"/>
           </a:p>
@@ -1321,7 +1326,7 @@
           <a:lstStyle/>
           <a:p>
             <a:r>
-              <a:rPr lang="en-US" smtClean="0"/>
+              <a:rPr lang="en-US"/>
               <a:t>Click to edit Master title style</a:t>
             </a:r>
             <a:endParaRPr lang="en-IN"/>
@@ -1345,35 +1350,35 @@
           <a:p>
             <a:pPr lvl="0"/>
             <a:r>
-              <a:rPr lang="en-US" smtClean="0"/>
+              <a:rPr lang="en-US"/>
               <a:t>Click to edit Master text styles</a:t>
             </a:r>
           </a:p>
           <a:p>
             <a:pPr lvl="1"/>
             <a:r>
-              <a:rPr lang="en-US" smtClean="0"/>
+              <a:rPr lang="en-US"/>
               <a:t>Second level</a:t>
             </a:r>
           </a:p>
           <a:p>
             <a:pPr lvl="2"/>
             <a:r>
-              <a:rPr lang="en-US" smtClean="0"/>
+              <a:rPr lang="en-US"/>
               <a:t>Third level</a:t>
             </a:r>
           </a:p>
           <a:p>
             <a:pPr lvl="3"/>
             <a:r>
-              <a:rPr lang="en-US" smtClean="0"/>
+              <a:rPr lang="en-US"/>
               <a:t>Fourth level</a:t>
             </a:r>
           </a:p>
           <a:p>
             <a:pPr lvl="4"/>
             <a:r>
-              <a:rPr lang="en-US" smtClean="0"/>
+              <a:rPr lang="en-US"/>
               <a:t>Fifth level</a:t>
             </a:r>
             <a:endParaRPr lang="en-IN"/>
@@ -1397,7 +1402,7 @@
           <a:p>
             <a:fld id="{F75E89F5-4A52-46A9-99EB-675EAAFF8DFA}" type="datetimeFigureOut">
               <a:rPr lang="en-IN" smtClean="0"/>
-              <a:t>18-10-2024</a:t>
+              <a:t>15-01-2025</a:t>
             </a:fld>
             <a:endParaRPr lang="en-IN"/>
           </a:p>
@@ -1500,7 +1505,7 @@
           </a:lstStyle>
           <a:p>
             <a:r>
-              <a:rPr lang="en-US" smtClean="0"/>
+              <a:rPr lang="en-US"/>
               <a:t>Click to edit Master title style</a:t>
             </a:r>
             <a:endParaRPr lang="en-IN"/>
@@ -1620,7 +1625,7 @@
           <a:p>
             <a:pPr lvl="0"/>
             <a:r>
-              <a:rPr lang="en-US" smtClean="0"/>
+              <a:rPr lang="en-US"/>
               <a:t>Click to edit Master text styles</a:t>
             </a:r>
           </a:p>
@@ -1643,7 +1648,7 @@
           <a:p>
             <a:fld id="{F75E89F5-4A52-46A9-99EB-675EAAFF8DFA}" type="datetimeFigureOut">
               <a:rPr lang="en-IN" smtClean="0"/>
-              <a:t>18-10-2024</a:t>
+              <a:t>15-01-2025</a:t>
             </a:fld>
             <a:endParaRPr lang="en-IN"/>
           </a:p>
@@ -1737,7 +1742,7 @@
           <a:lstStyle/>
           <a:p>
             <a:r>
-              <a:rPr lang="en-US" smtClean="0"/>
+              <a:rPr lang="en-US"/>
               <a:t>Click to edit Master title style</a:t>
             </a:r>
             <a:endParaRPr lang="en-IN"/>
@@ -1766,35 +1771,35 @@
           <a:p>
             <a:pPr lvl="0"/>
             <a:r>
-              <a:rPr lang="en-US" smtClean="0"/>
+              <a:rPr lang="en-US"/>
               <a:t>Click to edit Master text styles</a:t>
             </a:r>
           </a:p>
           <a:p>
             <a:pPr lvl="1"/>
             <a:r>
-              <a:rPr lang="en-US" smtClean="0"/>
+              <a:rPr lang="en-US"/>
               <a:t>Second level</a:t>
             </a:r>
           </a:p>
           <a:p>
             <a:pPr lvl="2"/>
             <a:r>
-              <a:rPr lang="en-US" smtClean="0"/>
+              <a:rPr lang="en-US"/>
               <a:t>Third level</a:t>
             </a:r>
           </a:p>
           <a:p>
             <a:pPr lvl="3"/>
             <a:r>
-              <a:rPr lang="en-US" smtClean="0"/>
+              <a:rPr lang="en-US"/>
               <a:t>Fourth level</a:t>
             </a:r>
           </a:p>
           <a:p>
             <a:pPr lvl="4"/>
             <a:r>
-              <a:rPr lang="en-US" smtClean="0"/>
+              <a:rPr lang="en-US"/>
               <a:t>Fifth level</a:t>
             </a:r>
             <a:endParaRPr lang="en-IN"/>
@@ -1823,35 +1828,35 @@
           <a:p>
             <a:pPr lvl="0"/>
             <a:r>
-              <a:rPr lang="en-US" smtClean="0"/>
+              <a:rPr lang="en-US"/>
               <a:t>Click to edit Master text styles</a:t>
             </a:r>
           </a:p>
           <a:p>
             <a:pPr lvl="1"/>
             <a:r>
-              <a:rPr lang="en-US" smtClean="0"/>
+              <a:rPr lang="en-US"/>
               <a:t>Second level</a:t>
             </a:r>
           </a:p>
           <a:p>
             <a:pPr lvl="2"/>
             <a:r>
-              <a:rPr lang="en-US" smtClean="0"/>
+              <a:rPr lang="en-US"/>
               <a:t>Third level</a:t>
             </a:r>
           </a:p>
           <a:p>
             <a:pPr lvl="3"/>
             <a:r>
-              <a:rPr lang="en-US" smtClean="0"/>
+              <a:rPr lang="en-US"/>
               <a:t>Fourth level</a:t>
             </a:r>
           </a:p>
           <a:p>
             <a:pPr lvl="4"/>
             <a:r>
-              <a:rPr lang="en-US" smtClean="0"/>
+              <a:rPr lang="en-US"/>
               <a:t>Fifth level</a:t>
             </a:r>
             <a:endParaRPr lang="en-IN"/>
@@ -1875,7 +1880,7 @@
           <a:p>
             <a:fld id="{F75E89F5-4A52-46A9-99EB-675EAAFF8DFA}" type="datetimeFigureOut">
               <a:rPr lang="en-IN" smtClean="0"/>
-              <a:t>18-10-2024</a:t>
+              <a:t>15-01-2025</a:t>
             </a:fld>
             <a:endParaRPr lang="en-IN"/>
           </a:p>
@@ -1974,7 +1979,7 @@
           <a:lstStyle/>
           <a:p>
             <a:r>
-              <a:rPr lang="en-US" smtClean="0"/>
+              <a:rPr lang="en-US"/>
               <a:t>Click to edit Master title style</a:t>
             </a:r>
             <a:endParaRPr lang="en-IN"/>
@@ -2040,7 +2045,7 @@
           <a:p>
             <a:pPr lvl="0"/>
             <a:r>
-              <a:rPr lang="en-US" smtClean="0"/>
+              <a:rPr lang="en-US"/>
               <a:t>Click to edit Master text styles</a:t>
             </a:r>
           </a:p>
@@ -2068,35 +2073,35 @@
           <a:p>
             <a:pPr lvl="0"/>
             <a:r>
-              <a:rPr lang="en-US" smtClean="0"/>
+              <a:rPr lang="en-US"/>
               <a:t>Click to edit Master text styles</a:t>
             </a:r>
           </a:p>
           <a:p>
             <a:pPr lvl="1"/>
             <a:r>
-              <a:rPr lang="en-US" smtClean="0"/>
+              <a:rPr lang="en-US"/>
               <a:t>Second level</a:t>
             </a:r>
           </a:p>
           <a:p>
             <a:pPr lvl="2"/>
             <a:r>
-              <a:rPr lang="en-US" smtClean="0"/>
+              <a:rPr lang="en-US"/>
               <a:t>Third level</a:t>
             </a:r>
           </a:p>
           <a:p>
             <a:pPr lvl="3"/>
             <a:r>
-              <a:rPr lang="en-US" smtClean="0"/>
+              <a:rPr lang="en-US"/>
               <a:t>Fourth level</a:t>
             </a:r>
           </a:p>
           <a:p>
             <a:pPr lvl="4"/>
             <a:r>
-              <a:rPr lang="en-US" smtClean="0"/>
+              <a:rPr lang="en-US"/>
               <a:t>Fifth level</a:t>
             </a:r>
             <a:endParaRPr lang="en-IN"/>
@@ -2162,7 +2167,7 @@
           <a:p>
             <a:pPr lvl="0"/>
             <a:r>
-              <a:rPr lang="en-US" smtClean="0"/>
+              <a:rPr lang="en-US"/>
               <a:t>Click to edit Master text styles</a:t>
             </a:r>
           </a:p>
@@ -2190,35 +2195,35 @@
           <a:p>
             <a:pPr lvl="0"/>
             <a:r>
-              <a:rPr lang="en-US" smtClean="0"/>
+              <a:rPr lang="en-US"/>
               <a:t>Click to edit Master text styles</a:t>
             </a:r>
           </a:p>
           <a:p>
             <a:pPr lvl="1"/>
             <a:r>
-              <a:rPr lang="en-US" smtClean="0"/>
+              <a:rPr lang="en-US"/>
               <a:t>Second level</a:t>
             </a:r>
           </a:p>
           <a:p>
             <a:pPr lvl="2"/>
             <a:r>
-              <a:rPr lang="en-US" smtClean="0"/>
+              <a:rPr lang="en-US"/>
               <a:t>Third level</a:t>
             </a:r>
           </a:p>
           <a:p>
             <a:pPr lvl="3"/>
             <a:r>
-              <a:rPr lang="en-US" smtClean="0"/>
+              <a:rPr lang="en-US"/>
               <a:t>Fourth level</a:t>
             </a:r>
           </a:p>
           <a:p>
             <a:pPr lvl="4"/>
             <a:r>
-              <a:rPr lang="en-US" smtClean="0"/>
+              <a:rPr lang="en-US"/>
               <a:t>Fifth level</a:t>
             </a:r>
             <a:endParaRPr lang="en-IN"/>
@@ -2242,7 +2247,7 @@
           <a:p>
             <a:fld id="{F75E89F5-4A52-46A9-99EB-675EAAFF8DFA}" type="datetimeFigureOut">
               <a:rPr lang="en-IN" smtClean="0"/>
-              <a:t>18-10-2024</a:t>
+              <a:t>15-01-2025</a:t>
             </a:fld>
             <a:endParaRPr lang="en-IN"/>
           </a:p>
@@ -2336,7 +2341,7 @@
           <a:lstStyle/>
           <a:p>
             <a:r>
-              <a:rPr lang="en-US" smtClean="0"/>
+              <a:rPr lang="en-US"/>
               <a:t>Click to edit Master title style</a:t>
             </a:r>
             <a:endParaRPr lang="en-IN"/>
@@ -2360,7 +2365,7 @@
           <a:p>
             <a:fld id="{F75E89F5-4A52-46A9-99EB-675EAAFF8DFA}" type="datetimeFigureOut">
               <a:rPr lang="en-IN" smtClean="0"/>
-              <a:t>18-10-2024</a:t>
+              <a:t>15-01-2025</a:t>
             </a:fld>
             <a:endParaRPr lang="en-IN"/>
           </a:p>
@@ -2455,7 +2460,7 @@
           <a:p>
             <a:fld id="{F75E89F5-4A52-46A9-99EB-675EAAFF8DFA}" type="datetimeFigureOut">
               <a:rPr lang="en-IN" smtClean="0"/>
-              <a:t>18-10-2024</a:t>
+              <a:t>15-01-2025</a:t>
             </a:fld>
             <a:endParaRPr lang="en-IN"/>
           </a:p>
@@ -2558,7 +2563,7 @@
           </a:lstStyle>
           <a:p>
             <a:r>
-              <a:rPr lang="en-US" smtClean="0"/>
+              <a:rPr lang="en-US"/>
               <a:t>Click to edit Master title style</a:t>
             </a:r>
             <a:endParaRPr lang="en-IN"/>
@@ -2615,35 +2620,35 @@
           <a:p>
             <a:pPr lvl="0"/>
             <a:r>
-              <a:rPr lang="en-US" smtClean="0"/>
+              <a:rPr lang="en-US"/>
               <a:t>Click to edit Master text styles</a:t>
             </a:r>
           </a:p>
           <a:p>
             <a:pPr lvl="1"/>
             <a:r>
-              <a:rPr lang="en-US" smtClean="0"/>
+              <a:rPr lang="en-US"/>
               <a:t>Second level</a:t>
             </a:r>
           </a:p>
           <a:p>
             <a:pPr lvl="2"/>
             <a:r>
-              <a:rPr lang="en-US" smtClean="0"/>
+              <a:rPr lang="en-US"/>
               <a:t>Third level</a:t>
             </a:r>
           </a:p>
           <a:p>
             <a:pPr lvl="3"/>
             <a:r>
-              <a:rPr lang="en-US" smtClean="0"/>
+              <a:rPr lang="en-US"/>
               <a:t>Fourth level</a:t>
             </a:r>
           </a:p>
           <a:p>
             <a:pPr lvl="4"/>
             <a:r>
-              <a:rPr lang="en-US" smtClean="0"/>
+              <a:rPr lang="en-US"/>
               <a:t>Fifth level</a:t>
             </a:r>
             <a:endParaRPr lang="en-IN"/>
@@ -2709,7 +2714,7 @@
           <a:p>
             <a:pPr lvl="0"/>
             <a:r>
-              <a:rPr lang="en-US" smtClean="0"/>
+              <a:rPr lang="en-US"/>
               <a:t>Click to edit Master text styles</a:t>
             </a:r>
           </a:p>
@@ -2732,7 +2737,7 @@
           <a:p>
             <a:fld id="{F75E89F5-4A52-46A9-99EB-675EAAFF8DFA}" type="datetimeFigureOut">
               <a:rPr lang="en-IN" smtClean="0"/>
-              <a:t>18-10-2024</a:t>
+              <a:t>15-01-2025</a:t>
             </a:fld>
             <a:endParaRPr lang="en-IN"/>
           </a:p>
@@ -2835,7 +2840,7 @@
           </a:lstStyle>
           <a:p>
             <a:r>
-              <a:rPr lang="en-US" smtClean="0"/>
+              <a:rPr lang="en-US"/>
               <a:t>Click to edit Master title style</a:t>
             </a:r>
             <a:endParaRPr lang="en-IN"/>
@@ -2962,7 +2967,7 @@
           <a:p>
             <a:pPr lvl="0"/>
             <a:r>
-              <a:rPr lang="en-US" smtClean="0"/>
+              <a:rPr lang="en-US"/>
               <a:t>Click to edit Master text styles</a:t>
             </a:r>
           </a:p>
@@ -2985,7 +2990,7 @@
           <a:p>
             <a:fld id="{F75E89F5-4A52-46A9-99EB-675EAAFF8DFA}" type="datetimeFigureOut">
               <a:rPr lang="en-IN" smtClean="0"/>
-              <a:t>18-10-2024</a:t>
+              <a:t>15-01-2025</a:t>
             </a:fld>
             <a:endParaRPr lang="en-IN"/>
           </a:p>
@@ -3094,7 +3099,7 @@
           <a:lstStyle/>
           <a:p>
             <a:r>
-              <a:rPr lang="en-US" smtClean="0"/>
+              <a:rPr lang="en-US"/>
               <a:t>Click to edit Master title style</a:t>
             </a:r>
             <a:endParaRPr lang="en-IN"/>
@@ -3128,35 +3133,35 @@
           <a:p>
             <a:pPr lvl="0"/>
             <a:r>
-              <a:rPr lang="en-US" smtClean="0"/>
+              <a:rPr lang="en-US"/>
               <a:t>Click to edit Master text styles</a:t>
             </a:r>
           </a:p>
           <a:p>
             <a:pPr lvl="1"/>
             <a:r>
-              <a:rPr lang="en-US" smtClean="0"/>
+              <a:rPr lang="en-US"/>
               <a:t>Second level</a:t>
             </a:r>
           </a:p>
           <a:p>
             <a:pPr lvl="2"/>
             <a:r>
-              <a:rPr lang="en-US" smtClean="0"/>
+              <a:rPr lang="en-US"/>
               <a:t>Third level</a:t>
             </a:r>
           </a:p>
           <a:p>
             <a:pPr lvl="3"/>
             <a:r>
-              <a:rPr lang="en-US" smtClean="0"/>
+              <a:rPr lang="en-US"/>
               <a:t>Fourth level</a:t>
             </a:r>
           </a:p>
           <a:p>
             <a:pPr lvl="4"/>
             <a:r>
-              <a:rPr lang="en-US" smtClean="0"/>
+              <a:rPr lang="en-US"/>
               <a:t>Fifth level</a:t>
             </a:r>
             <a:endParaRPr lang="en-IN"/>
@@ -3198,7 +3203,7 @@
           <a:p>
             <a:fld id="{F75E89F5-4A52-46A9-99EB-675EAAFF8DFA}" type="datetimeFigureOut">
               <a:rPr lang="en-IN" smtClean="0"/>
-              <a:t>18-10-2024</a:t>
+              <a:t>15-01-2025</a:t>
             </a:fld>
             <a:endParaRPr lang="en-IN"/>
           </a:p>
@@ -3619,10 +3624,9 @@
           <a:lstStyle/>
           <a:p>
             <a:r>
-              <a:rPr lang="en-IN" dirty="0" smtClean="0"/>
+              <a:rPr lang="en-IN" dirty="0"/>
               <a:t>Discrete Fourier Transform</a:t>
             </a:r>
-            <a:endParaRPr lang="en-IN" dirty="0"/>
           </a:p>
         </p:txBody>
       </p:sp>
@@ -3642,33 +3646,32 @@
           <a:lstStyle/>
           <a:p>
             <a:r>
-              <a:rPr lang="en-IN" dirty="0" err="1" smtClean="0"/>
+              <a:rPr lang="en-IN" dirty="0" err="1"/>
               <a:t>Prof.</a:t>
             </a:r>
             <a:r>
-              <a:rPr lang="en-IN" dirty="0" smtClean="0"/>
+              <a:rPr lang="en-IN" dirty="0"/>
               <a:t> </a:t>
             </a:r>
             <a:r>
-              <a:rPr lang="en-IN" dirty="0" err="1" smtClean="0"/>
+              <a:rPr lang="en-IN" dirty="0" err="1"/>
               <a:t>Amlan</a:t>
             </a:r>
             <a:r>
-              <a:rPr lang="en-IN" dirty="0" smtClean="0"/>
+              <a:rPr lang="en-IN" dirty="0"/>
               <a:t> </a:t>
             </a:r>
             <a:r>
-              <a:rPr lang="en-IN" dirty="0" err="1" smtClean="0"/>
+              <a:rPr lang="en-IN" dirty="0" err="1"/>
               <a:t>Chakrabarti</a:t>
             </a:r>
-            <a:endParaRPr lang="en-IN" dirty="0" smtClean="0"/>
-          </a:p>
-          <a:p>
-            <a:r>
-              <a:rPr lang="en-IN" dirty="0" smtClean="0"/>
+            <a:endParaRPr lang="en-IN" dirty="0"/>
+          </a:p>
+          <a:p>
+            <a:r>
+              <a:rPr lang="en-IN" dirty="0"/>
               <a:t>University of Calcutta</a:t>
             </a:r>
-            <a:endParaRPr lang="en-IN" dirty="0"/>
           </a:p>
         </p:txBody>
       </p:sp>
@@ -3772,10 +3775,9 @@
           <a:lstStyle/>
           <a:p>
             <a:r>
-              <a:rPr lang="en-IN" dirty="0" smtClean="0"/>
+              <a:rPr lang="en-IN" dirty="0"/>
               <a:t>Properties of the DFT</a:t>
             </a:r>
-            <a:endParaRPr lang="en-IN" dirty="0"/>
           </a:p>
         </p:txBody>
       </p:sp>
@@ -3849,10 +3851,9 @@
           <a:lstStyle/>
           <a:p>
             <a:r>
-              <a:rPr lang="en-IN" dirty="0" smtClean="0"/>
+              <a:rPr lang="en-IN" dirty="0"/>
               <a:t>Fast Fourier Transform</a:t>
             </a:r>
-            <a:endParaRPr lang="en-IN" dirty="0"/>
           </a:p>
         </p:txBody>
       </p:sp>
@@ -3926,10 +3927,9 @@
           <a:lstStyle/>
           <a:p>
             <a:r>
-              <a:rPr lang="en-IN" dirty="0" smtClean="0"/>
+              <a:rPr lang="en-IN" dirty="0"/>
               <a:t>Computational Complexity of DFT</a:t>
             </a:r>
-            <a:endParaRPr lang="en-IN" dirty="0"/>
           </a:p>
         </p:txBody>
       </p:sp>
@@ -4008,10 +4008,9 @@
           <a:lstStyle/>
           <a:p>
             <a:r>
-              <a:rPr lang="en-IN" dirty="0" smtClean="0"/>
+              <a:rPr lang="en-IN" dirty="0"/>
               <a:t>FFT: Divide-and-Conquer Approach</a:t>
             </a:r>
-            <a:endParaRPr lang="en-IN" dirty="0"/>
           </a:p>
         </p:txBody>
       </p:sp>
@@ -4085,10 +4084,9 @@
           <a:lstStyle/>
           <a:p>
             <a:r>
-              <a:rPr lang="en-IN" dirty="0" smtClean="0"/>
+              <a:rPr lang="en-IN" dirty="0"/>
               <a:t>FFT: Recursive Breakdown</a:t>
             </a:r>
-            <a:endParaRPr lang="en-IN" dirty="0"/>
           </a:p>
         </p:txBody>
       </p:sp>
@@ -4162,7 +4160,7 @@
           <a:lstStyle/>
           <a:p>
             <a:r>
-              <a:rPr lang="en-US" b="1" dirty="0" smtClean="0"/>
+              <a:rPr lang="en-US" b="1" dirty="0"/>
               <a:t>Mathematical Insight into the Efficiency</a:t>
             </a:r>
             <a:endParaRPr lang="en-IN" dirty="0"/>
@@ -4239,7 +4237,7 @@
           <a:lstStyle/>
           <a:p>
             <a:r>
-              <a:rPr lang="en-US" dirty="0" smtClean="0"/>
+              <a:rPr lang="en-US" dirty="0"/>
               <a:t>FFT of a Simple Sequence</a:t>
             </a:r>
             <a:endParaRPr lang="en-IN" dirty="0"/>
@@ -4370,7 +4368,7 @@
           <a:lstStyle/>
           <a:p>
             <a:r>
-              <a:rPr lang="en-US" dirty="0" smtClean="0"/>
+              <a:rPr lang="en-US" dirty="0"/>
               <a:t>FFT of a Cosine Wave</a:t>
             </a:r>
             <a:endParaRPr lang="en-IN" dirty="0"/>
@@ -4447,10 +4445,9 @@
           <a:lstStyle/>
           <a:p>
             <a:r>
-              <a:rPr lang="en-IN" dirty="0" smtClean="0"/>
+              <a:rPr lang="en-IN" dirty="0"/>
               <a:t>Introduction to Fourier Transform</a:t>
             </a:r>
-            <a:endParaRPr lang="en-IN" dirty="0"/>
           </a:p>
         </p:txBody>
       </p:sp>
@@ -4578,15 +4575,15 @@
           <a:lstStyle/>
           <a:p>
             <a:r>
-              <a:rPr lang="en-US" dirty="0" smtClean="0"/>
+              <a:rPr lang="en-US" dirty="0"/>
               <a:t>FFT </a:t>
             </a:r>
             <a:r>
-              <a:rPr lang="en-US" dirty="0" err="1" smtClean="0"/>
+              <a:rPr lang="en-US" dirty="0" err="1"/>
               <a:t>vs</a:t>
             </a:r>
             <a:r>
-              <a:rPr lang="en-US" dirty="0" smtClean="0"/>
+              <a:rPr lang="en-US" dirty="0"/>
               <a:t> DFT: Efficiency Breakdown</a:t>
             </a:r>
             <a:endParaRPr lang="en-IN" dirty="0"/>
@@ -4663,10 +4660,9 @@
           <a:lstStyle/>
           <a:p>
             <a:r>
-              <a:rPr lang="en-IN" dirty="0" smtClean="0"/>
+              <a:rPr lang="en-IN" dirty="0"/>
               <a:t>More for Study</a:t>
             </a:r>
-            <a:endParaRPr lang="en-IN" dirty="0"/>
           </a:p>
         </p:txBody>
       </p:sp>
@@ -4903,7 +4899,7 @@
           <a:graphicData uri="http://schemas.openxmlformats.org/presentationml/2006/ole">
             <mc:AlternateContent xmlns:mc="http://schemas.openxmlformats.org/markup-compatibility/2006">
               <mc:Choice xmlns:v="urn:schemas-microsoft-com:vml" Requires="v">
-                <p:oleObj spid="_x0000_s1035" name="Equation" r:id="rId4" imgW="2628900" imgH="889000" progId="Equation.3">
+                <p:oleObj spid="_x0000_s1038" name="Equation" r:id="rId4" imgW="2628900" imgH="889000" progId="Equation.3">
                   <p:embed/>
                 </p:oleObj>
               </mc:Choice>
@@ -5104,89 +5100,815 @@
           </a:p>
         </p:txBody>
       </p:sp>
-      <p:graphicFrame>
-        <p:nvGraphicFramePr>
-          <p:cNvPr id="10245" name="Object 2"/>
-          <p:cNvGraphicFramePr>
-            <a:graphicFrameLocks noChangeAspect="1"/>
-          </p:cNvGraphicFramePr>
-          <p:nvPr/>
-        </p:nvGraphicFramePr>
-        <p:xfrm>
-          <a:off x="1982788" y="4281488"/>
-          <a:ext cx="4114800" cy="800100"/>
-        </p:xfrm>
-        <a:graphic>
-          <a:graphicData uri="http://schemas.openxmlformats.org/presentationml/2006/ole">
-            <mc:AlternateContent xmlns:mc="http://schemas.openxmlformats.org/markup-compatibility/2006">
-              <mc:Choice xmlns:v="urn:schemas-microsoft-com:vml" Requires="v">
-                <p:oleObj spid="_x0000_s1036" name="Equation" r:id="rId6" imgW="2743200" imgH="533400" progId="Equation.3">
-                  <p:embed/>
-                </p:oleObj>
-              </mc:Choice>
-              <mc:Fallback>
-                <p:oleObj name="Equation" r:id="rId6" imgW="2743200" imgH="533400" progId="Equation.3">
-                  <p:embed/>
-                  <p:pic>
-                    <p:nvPicPr>
-                      <p:cNvPr id="0" name=""/>
-                      <p:cNvPicPr>
-                        <a:picLocks noChangeAspect="1" noChangeArrowheads="1"/>
-                      </p:cNvPicPr>
-                      <p:nvPr/>
-                    </p:nvPicPr>
-                    <p:blipFill>
-                      <a:blip r:embed="rId7">
-                        <a:extLst>
-                          <a:ext uri="{28A0092B-C50C-407E-A947-70E740481C1C}">
-                            <a14:useLocalDpi xmlns:a14="http://schemas.microsoft.com/office/drawing/2010/main" val="0"/>
-                          </a:ext>
-                        </a:extLst>
-                      </a:blip>
-                      <a:srcRect/>
-                      <a:stretch>
-                        <a:fillRect/>
-                      </a:stretch>
-                    </p:blipFill>
-                    <p:spPr bwMode="auto">
-                      <a:xfrm>
-                        <a:off x="1982788" y="4281488"/>
-                        <a:ext cx="4114800" cy="800100"/>
-                      </a:xfrm>
-                      <a:prstGeom prst="rect">
-                        <a:avLst/>
-                      </a:prstGeom>
-                      <a:noFill/>
-                      <a:ln>
-                        <a:noFill/>
-                      </a:ln>
-                      <a:extLst>
-                        <a:ext uri="{909E8E84-426E-40DD-AFC4-6F175D3DCCD1}">
-                          <a14:hiddenFill xmlns:a14="http://schemas.microsoft.com/office/drawing/2010/main">
-                            <a:solidFill>
-                              <a:srgbClr val="FFFFFF"/>
-                            </a:solidFill>
-                          </a14:hiddenFill>
-                        </a:ext>
-                        <a:ext uri="{91240B29-F687-4F45-9708-019B960494DF}">
-                          <a14:hiddenLine xmlns:a14="http://schemas.microsoft.com/office/drawing/2010/main" w="9525">
-                            <a:solidFill>
-                              <a:srgbClr val="000000"/>
-                            </a:solidFill>
-                            <a:miter lim="800000"/>
-                            <a:headEnd/>
-                            <a:tailEnd/>
-                          </a14:hiddenLine>
-                        </a:ext>
-                      </a:extLst>
-                    </p:spPr>
-                  </p:pic>
-                </p:oleObj>
-              </mc:Fallback>
-            </mc:AlternateContent>
-          </a:graphicData>
-        </a:graphic>
-      </p:graphicFrame>
+      <mc:AlternateContent xmlns:mc="http://schemas.openxmlformats.org/markup-compatibility/2006">
+        <mc:Choice xmlns:a14="http://schemas.microsoft.com/office/drawing/2010/main" Requires="a14">
+          <p:sp>
+            <p:nvSpPr>
+              <p:cNvPr id="10245" name="Object 2"/>
+              <p:cNvSpPr txBox="1"/>
+              <p:nvPr/>
+            </p:nvSpPr>
+            <p:spPr bwMode="auto">
+              <a:xfrm>
+                <a:off x="1982788" y="4078566"/>
+                <a:ext cx="4114800" cy="800100"/>
+              </a:xfrm>
+              <a:prstGeom prst="rect">
+                <a:avLst/>
+              </a:prstGeom>
+              <a:noFill/>
+              <a:ln>
+                <a:noFill/>
+              </a:ln>
+            </p:spPr>
+            <p:txBody>
+              <a:bodyPr>
+                <a:normAutofit fontScale="85000" lnSpcReduction="10000"/>
+              </a:bodyPr>
+              <a:lstStyle/>
+              <a:p>
+                <a:pPr/>
+                <a14:m>
+                  <m:oMathPara xmlns:m="http://schemas.openxmlformats.org/officeDocument/2006/math">
+                    <m:oMathParaPr>
+                      <m:jc m:val="left"/>
+                    </m:oMathParaPr>
+                    <m:oMath xmlns:m="http://schemas.openxmlformats.org/officeDocument/2006/math">
+                      <m:m>
+                        <m:mPr>
+                          <m:plcHide m:val="on"/>
+                          <m:mcs>
+                            <m:mc>
+                              <m:mcPr>
+                                <m:count m:val="2"/>
+                                <m:mcJc m:val="center"/>
+                              </m:mcPr>
+                            </m:mc>
+                          </m:mcs>
+                          <m:ctrlPr>
+                            <a:rPr lang="en-US" i="1">
+                              <a:solidFill>
+                                <a:srgbClr val="000000"/>
+                              </a:solidFill>
+                              <a:latin typeface="Cambria Math" panose="02040503050406030204" pitchFamily="18" charset="0"/>
+                            </a:rPr>
+                          </m:ctrlPr>
+                        </m:mPr>
+                        <m:mr>
+                          <m:e>
+                            <m:sSub>
+                              <m:sSubPr>
+                                <m:ctrlPr>
+                                  <a:rPr lang="en-US" i="1">
+                                    <a:solidFill>
+                                      <a:srgbClr val="000000"/>
+                                    </a:solidFill>
+                                    <a:latin typeface="Cambria Math" panose="02040503050406030204" pitchFamily="18" charset="0"/>
+                                  </a:rPr>
+                                </m:ctrlPr>
+                              </m:sSubPr>
+                              <m:e>
+                                <m:r>
+                                  <a:rPr lang="en-US" i="1">
+                                    <a:solidFill>
+                                      <a:srgbClr val="000000"/>
+                                    </a:solidFill>
+                                    <a:latin typeface="Cambria Math" panose="02040503050406030204" pitchFamily="18" charset="0"/>
+                                  </a:rPr>
+                                  <m:t>𝑊</m:t>
+                                </m:r>
+                              </m:e>
+                              <m:sub>
+                                <m:r>
+                                  <a:rPr lang="en-US" i="1">
+                                    <a:solidFill>
+                                      <a:srgbClr val="000000"/>
+                                    </a:solidFill>
+                                    <a:latin typeface="Cambria Math" panose="02040503050406030204" pitchFamily="18" charset="0"/>
+                                  </a:rPr>
+                                  <m:t>𝑁</m:t>
+                                </m:r>
+                              </m:sub>
+                            </m:sSub>
+                            <m:r>
+                              <a:rPr lang="en-US" i="1">
+                                <a:solidFill>
+                                  <a:srgbClr val="000000"/>
+                                </a:solidFill>
+                                <a:latin typeface="Cambria Math" panose="02040503050406030204" pitchFamily="18" charset="0"/>
+                              </a:rPr>
+                              <m:t>=</m:t>
+                            </m:r>
+                            <m:sSup>
+                              <m:sSupPr>
+                                <m:ctrlPr>
+                                  <a:rPr lang="en-US" i="1">
+                                    <a:solidFill>
+                                      <a:srgbClr val="000000"/>
+                                    </a:solidFill>
+                                    <a:latin typeface="Cambria Math" panose="02040503050406030204" pitchFamily="18" charset="0"/>
+                                  </a:rPr>
+                                </m:ctrlPr>
+                              </m:sSupPr>
+                              <m:e>
+                                <m:r>
+                                  <a:rPr lang="en-US" i="1">
+                                    <a:solidFill>
+                                      <a:srgbClr val="000000"/>
+                                    </a:solidFill>
+                                    <a:latin typeface="Cambria Math" panose="02040503050406030204" pitchFamily="18" charset="0"/>
+                                  </a:rPr>
+                                  <m:t>𝑒</m:t>
+                                </m:r>
+                              </m:e>
+                              <m:sup>
+                                <m:r>
+                                  <a:rPr lang="en-US" i="1">
+                                    <a:solidFill>
+                                      <a:srgbClr val="000000"/>
+                                    </a:solidFill>
+                                    <a:latin typeface="Cambria Math" panose="02040503050406030204" pitchFamily="18" charset="0"/>
+                                  </a:rPr>
+                                  <m:t>−</m:t>
+                                </m:r>
+                                <m:r>
+                                  <a:rPr lang="en-US" i="1">
+                                    <a:solidFill>
+                                      <a:srgbClr val="000000"/>
+                                    </a:solidFill>
+                                    <a:latin typeface="Cambria Math" panose="02040503050406030204" pitchFamily="18" charset="0"/>
+                                  </a:rPr>
+                                  <m:t>𝑗</m:t>
+                                </m:r>
+                                <m:r>
+                                  <a:rPr lang="en-US" i="1">
+                                    <a:solidFill>
+                                      <a:srgbClr val="000000"/>
+                                    </a:solidFill>
+                                    <a:latin typeface="Cambria Math" panose="02040503050406030204" pitchFamily="18" charset="0"/>
+                                  </a:rPr>
+                                  <m:t>2</m:t>
+                                </m:r>
+                                <m:r>
+                                  <a:rPr lang="en-US" i="1">
+                                    <a:solidFill>
+                                      <a:srgbClr val="000000"/>
+                                    </a:solidFill>
+                                    <a:latin typeface="Cambria Math" panose="02040503050406030204" pitchFamily="18" charset="0"/>
+                                  </a:rPr>
+                                  <m:t>𝜋</m:t>
+                                </m:r>
+                                <m:r>
+                                  <a:rPr lang="en-US" i="1">
+                                    <a:solidFill>
+                                      <a:srgbClr val="000000"/>
+                                    </a:solidFill>
+                                    <a:latin typeface="Cambria Math" panose="02040503050406030204" pitchFamily="18" charset="0"/>
+                                  </a:rPr>
+                                  <m:t>/</m:t>
+                                </m:r>
+                                <m:r>
+                                  <a:rPr lang="en-US" i="1">
+                                    <a:solidFill>
+                                      <a:srgbClr val="000000"/>
+                                    </a:solidFill>
+                                    <a:latin typeface="Cambria Math" panose="02040503050406030204" pitchFamily="18" charset="0"/>
+                                  </a:rPr>
+                                  <m:t>𝑁</m:t>
+                                </m:r>
+                              </m:sup>
+                            </m:sSup>
+                          </m:e>
+                          <m:e>
+                            <m:sSub>
+                              <m:sSubPr>
+                                <m:ctrlPr>
+                                  <a:rPr lang="en-US" i="1">
+                                    <a:solidFill>
+                                      <a:srgbClr val="000000"/>
+                                    </a:solidFill>
+                                    <a:latin typeface="Cambria Math" panose="02040503050406030204" pitchFamily="18" charset="0"/>
+                                  </a:rPr>
+                                </m:ctrlPr>
+                              </m:sSubPr>
+                              <m:e>
+                                <m:r>
+                                  <a:rPr lang="en-US" i="1">
+                                    <a:solidFill>
+                                      <a:srgbClr val="000000"/>
+                                    </a:solidFill>
+                                    <a:latin typeface="Cambria Math" panose="02040503050406030204" pitchFamily="18" charset="0"/>
+                                  </a:rPr>
+                                  <m:t>𝑊</m:t>
+                                </m:r>
+                              </m:e>
+                              <m:sub>
+                                <m:r>
+                                  <a:rPr lang="en-US" i="1">
+                                    <a:solidFill>
+                                      <a:srgbClr val="000000"/>
+                                    </a:solidFill>
+                                    <a:latin typeface="Cambria Math" panose="02040503050406030204" pitchFamily="18" charset="0"/>
+                                  </a:rPr>
+                                  <m:t>(</m:t>
+                                </m:r>
+                                <m:r>
+                                  <a:rPr lang="en-US" i="1">
+                                    <a:solidFill>
+                                      <a:srgbClr val="000000"/>
+                                    </a:solidFill>
+                                    <a:latin typeface="Cambria Math" panose="02040503050406030204" pitchFamily="18" charset="0"/>
+                                  </a:rPr>
+                                  <m:t>𝑁</m:t>
+                                </m:r>
+                                <m:r>
+                                  <a:rPr lang="en-US" i="1">
+                                    <a:solidFill>
+                                      <a:srgbClr val="000000"/>
+                                    </a:solidFill>
+                                    <a:latin typeface="Cambria Math" panose="02040503050406030204" pitchFamily="18" charset="0"/>
+                                  </a:rPr>
+                                  <m:t>/2)</m:t>
+                                </m:r>
+                              </m:sub>
+                            </m:sSub>
+                            <m:r>
+                              <a:rPr lang="en-US" i="1">
+                                <a:solidFill>
+                                  <a:srgbClr val="000000"/>
+                                </a:solidFill>
+                                <a:latin typeface="Cambria Math" panose="02040503050406030204" pitchFamily="18" charset="0"/>
+                              </a:rPr>
+                              <m:t>=</m:t>
+                            </m:r>
+                            <m:sSup>
+                              <m:sSupPr>
+                                <m:ctrlPr>
+                                  <a:rPr lang="en-US" i="1">
+                                    <a:solidFill>
+                                      <a:srgbClr val="000000"/>
+                                    </a:solidFill>
+                                    <a:latin typeface="Cambria Math" panose="02040503050406030204" pitchFamily="18" charset="0"/>
+                                  </a:rPr>
+                                </m:ctrlPr>
+                              </m:sSupPr>
+                              <m:e>
+                                <m:r>
+                                  <a:rPr lang="en-US" i="1">
+                                    <a:solidFill>
+                                      <a:srgbClr val="000000"/>
+                                    </a:solidFill>
+                                    <a:latin typeface="Cambria Math" panose="02040503050406030204" pitchFamily="18" charset="0"/>
+                                  </a:rPr>
+                                  <m:t>𝑒</m:t>
+                                </m:r>
+                              </m:e>
+                              <m:sup>
+                                <m:r>
+                                  <a:rPr lang="en-US" i="1">
+                                    <a:solidFill>
+                                      <a:srgbClr val="000000"/>
+                                    </a:solidFill>
+                                    <a:latin typeface="Cambria Math" panose="02040503050406030204" pitchFamily="18" charset="0"/>
+                                  </a:rPr>
+                                  <m:t>−</m:t>
+                                </m:r>
+                                <m:r>
+                                  <a:rPr lang="en-US" i="1">
+                                    <a:solidFill>
+                                      <a:srgbClr val="000000"/>
+                                    </a:solidFill>
+                                    <a:latin typeface="Cambria Math" panose="02040503050406030204" pitchFamily="18" charset="0"/>
+                                  </a:rPr>
+                                  <m:t>𝑗</m:t>
+                                </m:r>
+                                <m:r>
+                                  <a:rPr lang="en-US" i="1">
+                                    <a:solidFill>
+                                      <a:srgbClr val="000000"/>
+                                    </a:solidFill>
+                                    <a:latin typeface="Cambria Math" panose="02040503050406030204" pitchFamily="18" charset="0"/>
+                                  </a:rPr>
+                                  <m:t>2</m:t>
+                                </m:r>
+                                <m:r>
+                                  <a:rPr lang="en-US" i="1">
+                                    <a:solidFill>
+                                      <a:srgbClr val="000000"/>
+                                    </a:solidFill>
+                                    <a:latin typeface="Cambria Math" panose="02040503050406030204" pitchFamily="18" charset="0"/>
+                                  </a:rPr>
+                                  <m:t>𝜋</m:t>
+                                </m:r>
+                                <m:r>
+                                  <a:rPr lang="en-US" i="1">
+                                    <a:solidFill>
+                                      <a:srgbClr val="000000"/>
+                                    </a:solidFill>
+                                    <a:latin typeface="Cambria Math" panose="02040503050406030204" pitchFamily="18" charset="0"/>
+                                  </a:rPr>
+                                  <m:t>/(</m:t>
+                                </m:r>
+                                <m:r>
+                                  <a:rPr lang="en-US" i="1">
+                                    <a:solidFill>
+                                      <a:srgbClr val="000000"/>
+                                    </a:solidFill>
+                                    <a:latin typeface="Cambria Math" panose="02040503050406030204" pitchFamily="18" charset="0"/>
+                                  </a:rPr>
+                                  <m:t>𝑁</m:t>
+                                </m:r>
+                                <m:r>
+                                  <a:rPr lang="en-US" i="1">
+                                    <a:solidFill>
+                                      <a:srgbClr val="000000"/>
+                                    </a:solidFill>
+                                    <a:latin typeface="Cambria Math" panose="02040503050406030204" pitchFamily="18" charset="0"/>
+                                  </a:rPr>
+                                  <m:t>/2)</m:t>
+                                </m:r>
+                              </m:sup>
+                            </m:sSup>
+                          </m:e>
+                        </m:mr>
+                      </m:m>
+                      <m:r>
+                        <a:rPr lang="en-US" i="1">
+                          <a:solidFill>
+                            <a:srgbClr val="000000"/>
+                          </a:solidFill>
+                          <a:latin typeface="Cambria Math" panose="02040503050406030204" pitchFamily="18" charset="0"/>
+                        </a:rPr>
+                        <m:t>=</m:t>
+                      </m:r>
+                      <m:sSup>
+                        <m:sSupPr>
+                          <m:ctrlPr>
+                            <a:rPr lang="en-US" i="1">
+                              <a:solidFill>
+                                <a:srgbClr val="000000"/>
+                              </a:solidFill>
+                              <a:latin typeface="Cambria Math" panose="02040503050406030204" pitchFamily="18" charset="0"/>
+                            </a:rPr>
+                          </m:ctrlPr>
+                        </m:sSupPr>
+                        <m:e>
+                          <m:r>
+                            <a:rPr lang="en-US" i="1">
+                              <a:solidFill>
+                                <a:srgbClr val="000000"/>
+                              </a:solidFill>
+                              <a:latin typeface="Cambria Math" panose="02040503050406030204" pitchFamily="18" charset="0"/>
+                            </a:rPr>
+                            <m:t>𝑒</m:t>
+                          </m:r>
+                        </m:e>
+                        <m:sup>
+                          <m:r>
+                            <a:rPr lang="en-US" i="1">
+                              <a:solidFill>
+                                <a:srgbClr val="000000"/>
+                              </a:solidFill>
+                              <a:latin typeface="Cambria Math" panose="02040503050406030204" pitchFamily="18" charset="0"/>
+                            </a:rPr>
+                            <m:t>−</m:t>
+                          </m:r>
+                          <m:r>
+                            <a:rPr lang="en-US" i="1">
+                              <a:solidFill>
+                                <a:srgbClr val="000000"/>
+                              </a:solidFill>
+                              <a:latin typeface="Cambria Math" panose="02040503050406030204" pitchFamily="18" charset="0"/>
+                            </a:rPr>
+                            <m:t>𝑗</m:t>
+                          </m:r>
+                          <m:r>
+                            <a:rPr lang="en-US" i="1">
+                              <a:solidFill>
+                                <a:srgbClr val="000000"/>
+                              </a:solidFill>
+                              <a:latin typeface="Cambria Math" panose="02040503050406030204" pitchFamily="18" charset="0"/>
+                            </a:rPr>
+                            <m:t>4</m:t>
+                          </m:r>
+                          <m:r>
+                            <a:rPr lang="en-US" i="1">
+                              <a:solidFill>
+                                <a:srgbClr val="000000"/>
+                              </a:solidFill>
+                              <a:latin typeface="Cambria Math" panose="02040503050406030204" pitchFamily="18" charset="0"/>
+                            </a:rPr>
+                            <m:t>𝜋</m:t>
+                          </m:r>
+                          <m:r>
+                            <a:rPr lang="en-US" i="1">
+                              <a:solidFill>
+                                <a:srgbClr val="000000"/>
+                              </a:solidFill>
+                              <a:latin typeface="Cambria Math" panose="02040503050406030204" pitchFamily="18" charset="0"/>
+                            </a:rPr>
+                            <m:t>/</m:t>
+                          </m:r>
+                          <m:r>
+                            <a:rPr lang="en-US" i="1">
+                              <a:solidFill>
+                                <a:srgbClr val="000000"/>
+                              </a:solidFill>
+                              <a:latin typeface="Cambria Math" panose="02040503050406030204" pitchFamily="18" charset="0"/>
+                            </a:rPr>
+                            <m:t>𝑁</m:t>
+                          </m:r>
+                        </m:sup>
+                      </m:sSup>
+                    </m:oMath>
+                    <m:oMath xmlns:m="http://schemas.openxmlformats.org/officeDocument/2006/math">
+                      <m:r>
+                        <a:rPr lang="en-US" i="1">
+                          <a:solidFill>
+                            <a:srgbClr val="000000"/>
+                          </a:solidFill>
+                          <a:latin typeface="Cambria Math" panose="02040503050406030204" pitchFamily="18" charset="0"/>
+                        </a:rPr>
+                        <m:t>(</m:t>
+                      </m:r>
+                      <m:sSub>
+                        <m:sSubPr>
+                          <m:ctrlPr>
+                            <a:rPr lang="en-US" i="1">
+                              <a:solidFill>
+                                <a:srgbClr val="000000"/>
+                              </a:solidFill>
+                              <a:latin typeface="Cambria Math" panose="02040503050406030204" pitchFamily="18" charset="0"/>
+                            </a:rPr>
+                          </m:ctrlPr>
+                        </m:sSubPr>
+                        <m:e>
+                          <m:r>
+                            <a:rPr lang="en-US" i="1">
+                              <a:solidFill>
+                                <a:srgbClr val="000000"/>
+                              </a:solidFill>
+                              <a:latin typeface="Cambria Math" panose="02040503050406030204" pitchFamily="18" charset="0"/>
+                            </a:rPr>
+                            <m:t>𝑊</m:t>
+                          </m:r>
+                        </m:e>
+                        <m:sub>
+                          <m:r>
+                            <a:rPr lang="en-US" i="1">
+                              <a:solidFill>
+                                <a:srgbClr val="000000"/>
+                              </a:solidFill>
+                              <a:latin typeface="Cambria Math" panose="02040503050406030204" pitchFamily="18" charset="0"/>
+                            </a:rPr>
+                            <m:t>𝑁</m:t>
+                          </m:r>
+                        </m:sub>
+                      </m:sSub>
+                      <m:sSup>
+                        <m:sSupPr>
+                          <m:ctrlPr>
+                            <a:rPr lang="en-US" i="1">
+                              <a:solidFill>
+                                <a:srgbClr val="000000"/>
+                              </a:solidFill>
+                              <a:latin typeface="Cambria Math" panose="02040503050406030204" pitchFamily="18" charset="0"/>
+                            </a:rPr>
+                          </m:ctrlPr>
+                        </m:sSupPr>
+                        <m:e>
+                          <m:r>
+                            <a:rPr lang="en-US" i="1">
+                              <a:solidFill>
+                                <a:srgbClr val="000000"/>
+                              </a:solidFill>
+                              <a:latin typeface="Cambria Math" panose="02040503050406030204" pitchFamily="18" charset="0"/>
+                            </a:rPr>
+                            <m:t>)</m:t>
+                          </m:r>
+                        </m:e>
+                        <m:sup>
+                          <m:r>
+                            <a:rPr lang="en-US" i="1">
+                              <a:solidFill>
+                                <a:srgbClr val="000000"/>
+                              </a:solidFill>
+                              <a:latin typeface="Cambria Math" panose="02040503050406030204" pitchFamily="18" charset="0"/>
+                            </a:rPr>
+                            <m:t>𝑁</m:t>
+                          </m:r>
+                        </m:sup>
+                      </m:sSup>
+                      <m:r>
+                        <a:rPr lang="en-US" i="1">
+                          <a:solidFill>
+                            <a:srgbClr val="000000"/>
+                          </a:solidFill>
+                          <a:latin typeface="Cambria Math" panose="02040503050406030204" pitchFamily="18" charset="0"/>
+                        </a:rPr>
+                        <m:t>≡</m:t>
+                      </m:r>
+                      <m:sSubSup>
+                        <m:sSubSupPr>
+                          <m:ctrlPr>
+                            <a:rPr lang="en-US" i="1">
+                              <a:solidFill>
+                                <a:srgbClr val="000000"/>
+                              </a:solidFill>
+                              <a:latin typeface="Cambria Math" panose="02040503050406030204" pitchFamily="18" charset="0"/>
+                            </a:rPr>
+                          </m:ctrlPr>
+                        </m:sSubSupPr>
+                        <m:e>
+                          <m:r>
+                            <a:rPr lang="en-US" i="1">
+                              <a:solidFill>
+                                <a:srgbClr val="000000"/>
+                              </a:solidFill>
+                              <a:latin typeface="Cambria Math" panose="02040503050406030204" pitchFamily="18" charset="0"/>
+                            </a:rPr>
+                            <m:t>𝑊</m:t>
+                          </m:r>
+                        </m:e>
+                        <m:sub>
+                          <m:r>
+                            <a:rPr lang="en-US" i="1">
+                              <a:solidFill>
+                                <a:srgbClr val="000000"/>
+                              </a:solidFill>
+                              <a:latin typeface="Cambria Math" panose="02040503050406030204" pitchFamily="18" charset="0"/>
+                            </a:rPr>
+                            <m:t>𝑁</m:t>
+                          </m:r>
+                        </m:sub>
+                        <m:sup>
+                          <m:r>
+                            <a:rPr lang="en-US" i="1">
+                              <a:solidFill>
+                                <a:srgbClr val="000000"/>
+                              </a:solidFill>
+                              <a:latin typeface="Cambria Math" panose="02040503050406030204" pitchFamily="18" charset="0"/>
+                            </a:rPr>
+                            <m:t>𝑁</m:t>
+                          </m:r>
+                        </m:sup>
+                      </m:sSubSup>
+                      <m:r>
+                        <a:rPr lang="en-US" i="1">
+                          <a:solidFill>
+                            <a:srgbClr val="000000"/>
+                          </a:solidFill>
+                          <a:latin typeface="Cambria Math" panose="02040503050406030204" pitchFamily="18" charset="0"/>
+                        </a:rPr>
+                        <m:t>=</m:t>
+                      </m:r>
+                      <m:sSup>
+                        <m:sSupPr>
+                          <m:ctrlPr>
+                            <a:rPr lang="en-US" i="1">
+                              <a:solidFill>
+                                <a:srgbClr val="000000"/>
+                              </a:solidFill>
+                              <a:latin typeface="Cambria Math" panose="02040503050406030204" pitchFamily="18" charset="0"/>
+                            </a:rPr>
+                          </m:ctrlPr>
+                        </m:sSupPr>
+                        <m:e>
+                          <m:d>
+                            <m:dPr>
+                              <m:ctrlPr>
+                                <a:rPr lang="en-US" i="1">
+                                  <a:solidFill>
+                                    <a:srgbClr val="000000"/>
+                                  </a:solidFill>
+                                  <a:latin typeface="Cambria Math" panose="02040503050406030204" pitchFamily="18" charset="0"/>
+                                </a:rPr>
+                              </m:ctrlPr>
+                            </m:dPr>
+                            <m:e>
+                              <m:sSup>
+                                <m:sSupPr>
+                                  <m:ctrlPr>
+                                    <a:rPr lang="en-US" i="1">
+                                      <a:solidFill>
+                                        <a:srgbClr val="000000"/>
+                                      </a:solidFill>
+                                      <a:latin typeface="Cambria Math" panose="02040503050406030204" pitchFamily="18" charset="0"/>
+                                    </a:rPr>
+                                  </m:ctrlPr>
+                                </m:sSupPr>
+                                <m:e>
+                                  <m:r>
+                                    <a:rPr lang="en-US" i="1">
+                                      <a:solidFill>
+                                        <a:srgbClr val="000000"/>
+                                      </a:solidFill>
+                                      <a:latin typeface="Cambria Math" panose="02040503050406030204" pitchFamily="18" charset="0"/>
+                                    </a:rPr>
+                                    <m:t>𝑒</m:t>
+                                  </m:r>
+                                </m:e>
+                                <m:sup>
+                                  <m:r>
+                                    <a:rPr lang="en-US" i="1">
+                                      <a:solidFill>
+                                        <a:srgbClr val="000000"/>
+                                      </a:solidFill>
+                                      <a:latin typeface="Cambria Math" panose="02040503050406030204" pitchFamily="18" charset="0"/>
+                                    </a:rPr>
+                                    <m:t>−</m:t>
+                                  </m:r>
+                                  <m:r>
+                                    <a:rPr lang="en-US" i="1">
+                                      <a:solidFill>
+                                        <a:srgbClr val="000000"/>
+                                      </a:solidFill>
+                                      <a:latin typeface="Cambria Math" panose="02040503050406030204" pitchFamily="18" charset="0"/>
+                                    </a:rPr>
+                                    <m:t>𝑗</m:t>
+                                  </m:r>
+                                  <m:r>
+                                    <a:rPr lang="en-US" i="1">
+                                      <a:solidFill>
+                                        <a:srgbClr val="000000"/>
+                                      </a:solidFill>
+                                      <a:latin typeface="Cambria Math" panose="02040503050406030204" pitchFamily="18" charset="0"/>
+                                    </a:rPr>
+                                    <m:t>2</m:t>
+                                  </m:r>
+                                  <m:r>
+                                    <a:rPr lang="en-US" i="1">
+                                      <a:solidFill>
+                                        <a:srgbClr val="000000"/>
+                                      </a:solidFill>
+                                      <a:latin typeface="Cambria Math" panose="02040503050406030204" pitchFamily="18" charset="0"/>
+                                    </a:rPr>
+                                    <m:t>𝜋</m:t>
+                                  </m:r>
+                                  <m:r>
+                                    <a:rPr lang="en-US" i="1">
+                                      <a:solidFill>
+                                        <a:srgbClr val="000000"/>
+                                      </a:solidFill>
+                                      <a:latin typeface="Cambria Math" panose="02040503050406030204" pitchFamily="18" charset="0"/>
+                                    </a:rPr>
+                                    <m:t>/</m:t>
+                                  </m:r>
+                                  <m:r>
+                                    <a:rPr lang="en-US" i="1">
+                                      <a:solidFill>
+                                        <a:srgbClr val="000000"/>
+                                      </a:solidFill>
+                                      <a:latin typeface="Cambria Math" panose="02040503050406030204" pitchFamily="18" charset="0"/>
+                                    </a:rPr>
+                                    <m:t>𝑁</m:t>
+                                  </m:r>
+                                </m:sup>
+                              </m:sSup>
+                            </m:e>
+                          </m:d>
+                        </m:e>
+                        <m:sup>
+                          <m:r>
+                            <a:rPr lang="en-US" i="1">
+                              <a:solidFill>
+                                <a:srgbClr val="000000"/>
+                              </a:solidFill>
+                              <a:latin typeface="Cambria Math" panose="02040503050406030204" pitchFamily="18" charset="0"/>
+                            </a:rPr>
+                            <m:t>𝑁</m:t>
+                          </m:r>
+                        </m:sup>
+                      </m:sSup>
+                      <m:r>
+                        <a:rPr lang="en-US" i="1">
+                          <a:solidFill>
+                            <a:srgbClr val="000000"/>
+                          </a:solidFill>
+                          <a:latin typeface="Cambria Math" panose="02040503050406030204" pitchFamily="18" charset="0"/>
+                        </a:rPr>
+                        <m:t>=</m:t>
+                      </m:r>
+                      <m:sSup>
+                        <m:sSupPr>
+                          <m:ctrlPr>
+                            <a:rPr lang="en-US" i="1">
+                              <a:solidFill>
+                                <a:srgbClr val="000000"/>
+                              </a:solidFill>
+                              <a:latin typeface="Cambria Math" panose="02040503050406030204" pitchFamily="18" charset="0"/>
+                            </a:rPr>
+                          </m:ctrlPr>
+                        </m:sSupPr>
+                        <m:e>
+                          <m:r>
+                            <a:rPr lang="en-US" i="1">
+                              <a:solidFill>
+                                <a:srgbClr val="000000"/>
+                              </a:solidFill>
+                              <a:latin typeface="Cambria Math" panose="02040503050406030204" pitchFamily="18" charset="0"/>
+                            </a:rPr>
+                            <m:t>𝑒</m:t>
+                          </m:r>
+                        </m:e>
+                        <m:sup>
+                          <m:r>
+                            <a:rPr lang="en-US" i="1">
+                              <a:solidFill>
+                                <a:srgbClr val="000000"/>
+                              </a:solidFill>
+                              <a:latin typeface="Cambria Math" panose="02040503050406030204" pitchFamily="18" charset="0"/>
+                            </a:rPr>
+                            <m:t>−</m:t>
+                          </m:r>
+                          <m:r>
+                            <a:rPr lang="en-US" i="1">
+                              <a:solidFill>
+                                <a:srgbClr val="000000"/>
+                              </a:solidFill>
+                              <a:latin typeface="Cambria Math" panose="02040503050406030204" pitchFamily="18" charset="0"/>
+                            </a:rPr>
+                            <m:t>𝑗</m:t>
+                          </m:r>
+                          <m:r>
+                            <a:rPr lang="en-US" i="1">
+                              <a:solidFill>
+                                <a:srgbClr val="000000"/>
+                              </a:solidFill>
+                              <a:latin typeface="Cambria Math" panose="02040503050406030204" pitchFamily="18" charset="0"/>
+                            </a:rPr>
+                            <m:t>2</m:t>
+                          </m:r>
+                          <m:r>
+                            <a:rPr lang="en-US" i="1">
+                              <a:solidFill>
+                                <a:srgbClr val="000000"/>
+                              </a:solidFill>
+                              <a:latin typeface="Cambria Math" panose="02040503050406030204" pitchFamily="18" charset="0"/>
+                            </a:rPr>
+                            <m:t>𝜋</m:t>
+                          </m:r>
+                        </m:sup>
+                      </m:sSup>
+                      <m:r>
+                        <a:rPr lang="en-US" i="1">
+                          <a:solidFill>
+                            <a:srgbClr val="000000"/>
+                          </a:solidFill>
+                          <a:latin typeface="Cambria Math" panose="02040503050406030204" pitchFamily="18" charset="0"/>
+                        </a:rPr>
+                        <m:t>=1</m:t>
+                      </m:r>
+                    </m:oMath>
+                  </m:oMathPara>
+                </a14:m>
+                <a:endParaRPr lang="en-US" dirty="0"/>
+              </a:p>
+            </p:txBody>
+          </p:sp>
+        </mc:Choice>
+        <mc:Fallback>
+          <p:sp>
+            <p:nvSpPr>
+              <p:cNvPr id="10245" name="Object 2"/>
+              <p:cNvSpPr txBox="1">
+                <a:spLocks noRot="1" noChangeAspect="1" noMove="1" noResize="1" noEditPoints="1" noAdjustHandles="1" noChangeArrowheads="1" noChangeShapeType="1" noTextEdit="1"/>
+              </p:cNvSpPr>
+              <p:nvPr/>
+            </p:nvSpPr>
+            <p:spPr bwMode="auto">
+              <a:xfrm>
+                <a:off x="1982788" y="4078566"/>
+                <a:ext cx="4114800" cy="800100"/>
+              </a:xfrm>
+              <a:prstGeom prst="rect">
+                <a:avLst/>
+              </a:prstGeom>
+              <a:blipFill>
+                <a:blip r:embed="rId6"/>
+                <a:stretch>
+                  <a:fillRect/>
+                </a:stretch>
+              </a:blipFill>
+              <a:ln>
+                <a:noFill/>
+              </a:ln>
+            </p:spPr>
+            <p:txBody>
+              <a:bodyPr/>
+              <a:lstStyle/>
+              <a:p>
+                <a:r>
+                  <a:rPr lang="en-US">
+                    <a:noFill/>
+                  </a:rPr>
+                  <a:t> </a:t>
+                </a:r>
+              </a:p>
+            </p:txBody>
+          </p:sp>
+        </mc:Fallback>
+      </mc:AlternateContent>
       <p:graphicFrame>
         <p:nvGraphicFramePr>
           <p:cNvPr id="10246" name="Object 3"/>
@@ -5203,12 +5925,12 @@
           <a:graphicData uri="http://schemas.openxmlformats.org/presentationml/2006/ole">
             <mc:AlternateContent xmlns:mc="http://schemas.openxmlformats.org/markup-compatibility/2006">
               <mc:Choice xmlns:v="urn:schemas-microsoft-com:vml" Requires="v">
-                <p:oleObj spid="_x0000_s1037" name="Equation" r:id="rId8" imgW="2476500" imgH="889000" progId="Equation.3">
+                <p:oleObj spid="_x0000_s1039" name="Equation" r:id="rId7" imgW="2476500" imgH="889000" progId="Equation.3">
                   <p:embed/>
                 </p:oleObj>
               </mc:Choice>
               <mc:Fallback>
-                <p:oleObj name="Equation" r:id="rId8" imgW="2476500" imgH="889000" progId="Equation.3">
+                <p:oleObj name="Equation" r:id="rId7" imgW="2476500" imgH="889000" progId="Equation.3">
                   <p:embed/>
                   <p:pic>
                     <p:nvPicPr>
@@ -5219,7 +5941,7 @@
                       <p:nvPr/>
                     </p:nvPicPr>
                     <p:blipFill>
-                      <a:blip r:embed="rId9">
+                      <a:blip r:embed="rId8">
                         <a:extLst>
                           <a:ext uri="{28A0092B-C50C-407E-A947-70E740481C1C}">
                             <a14:useLocalDpi xmlns:a14="http://schemas.microsoft.com/office/drawing/2010/main" val="0"/>
@@ -5280,13 +6002,6 @@
   <p:clrMapOvr>
     <a:masterClrMapping/>
   </p:clrMapOvr>
-  <p:timing>
-    <p:tnLst>
-      <p:par>
-        <p:cTn id="1" dur="indefinite" restart="never" nodeType="tmRoot"/>
-      </p:par>
-    </p:tnLst>
-  </p:timing>
 </p:sld>
 </file>
 
@@ -5568,15 +6283,7 @@
             </a:r>
             <a:r>
               <a:rPr lang="en-US" b="1" kern="0" dirty="0"/>
-              <a:t> multiplications. </a:t>
-            </a:r>
-            <a:r>
-              <a:rPr lang="en-US" b="1" kern="0" dirty="0"/>
-              <a:t>The scaling by       </a:t>
-            </a:r>
-            <a:r>
-              <a:rPr lang="en-US" b="1" kern="0" dirty="0" smtClean="0"/>
-              <a:t>   requires </a:t>
+              <a:t> multiplications. The scaling by          requires </a:t>
             </a:r>
             <a:r>
               <a:rPr lang="en-US" i="1" kern="0" dirty="0">
@@ -5592,11 +6299,7 @@
             </a:r>
             <a:r>
               <a:rPr lang="en-US" b="1" kern="0" dirty="0"/>
-              <a:t> additional multiplications. </a:t>
-            </a:r>
-            <a:r>
-              <a:rPr lang="en-US" b="1" kern="0" dirty="0"/>
-              <a:t>The total computation is </a:t>
+              <a:t> additional multiplications. The total computation is </a:t>
             </a:r>
             <a:r>
               <a:rPr lang="en-US" i="1" kern="0" dirty="0">
@@ -5945,7 +6648,7 @@
           <a:graphicData uri="http://schemas.openxmlformats.org/presentationml/2006/ole">
             <mc:AlternateContent xmlns:mc="http://schemas.openxmlformats.org/markup-compatibility/2006">
               <mc:Choice xmlns:v="urn:schemas-microsoft-com:vml" Requires="v">
-                <p:oleObj spid="_x0000_s2062" name="Equation" r:id="rId3" imgW="3048000" imgH="431800" progId="Equation.3">
+                <p:oleObj spid="_x0000_s2066" name="Equation" r:id="rId3" imgW="3048000" imgH="431800" progId="Equation.3">
                   <p:embed/>
                 </p:oleObj>
               </mc:Choice>
@@ -6034,7 +6737,7 @@
           <a:graphicData uri="http://schemas.openxmlformats.org/presentationml/2006/ole">
             <mc:AlternateContent xmlns:mc="http://schemas.openxmlformats.org/markup-compatibility/2006">
               <mc:Choice xmlns:v="urn:schemas-microsoft-com:vml" Requires="v">
-                <p:oleObj spid="_x0000_s2063" name="Equation" r:id="rId5" imgW="2743200" imgH="889000" progId="Equation.3">
+                <p:oleObj spid="_x0000_s2067" name="Equation" r:id="rId5" imgW="2743200" imgH="889000" progId="Equation.3">
                   <p:embed/>
                 </p:oleObj>
               </mc:Choice>
@@ -6123,7 +6826,7 @@
           <a:graphicData uri="http://schemas.openxmlformats.org/presentationml/2006/ole">
             <mc:AlternateContent xmlns:mc="http://schemas.openxmlformats.org/markup-compatibility/2006">
               <mc:Choice xmlns:v="urn:schemas-microsoft-com:vml" Requires="v">
-                <p:oleObj spid="_x0000_s2064" name="Equation" r:id="rId7" imgW="2933700" imgH="508000" progId="Equation.3">
+                <p:oleObj spid="_x0000_s2068" name="Equation" r:id="rId7" imgW="2933700" imgH="508000" progId="Equation.3">
                   <p:embed/>
                 </p:oleObj>
               </mc:Choice>
@@ -6212,7 +6915,7 @@
           <a:graphicData uri="http://schemas.openxmlformats.org/presentationml/2006/ole">
             <mc:AlternateContent xmlns:mc="http://schemas.openxmlformats.org/markup-compatibility/2006">
               <mc:Choice xmlns:v="urn:schemas-microsoft-com:vml" Requires="v">
-                <p:oleObj spid="_x0000_s2065" name="Equation" r:id="rId9" imgW="241195" imgH="241195" progId="Equation.3">
+                <p:oleObj spid="_x0000_s2069" name="Equation" r:id="rId9" imgW="241195" imgH="241195" progId="Equation.3">
                   <p:embed/>
                 </p:oleObj>
               </mc:Choice>
@@ -6289,13 +6992,6 @@
   <p:clrMapOvr>
     <a:masterClrMapping/>
   </p:clrMapOvr>
-  <p:timing>
-    <p:tnLst>
-      <p:par>
-        <p:cTn id="1" dur="indefinite" restart="never" nodeType="tmRoot"/>
-      </p:par>
-    </p:tnLst>
-  </p:timing>
 </p:sld>
 </file>
 
@@ -6665,13 +7361,6 @@
   <p:clrMapOvr>
     <a:masterClrMapping/>
   </p:clrMapOvr>
-  <p:timing>
-    <p:tnLst>
-      <p:par>
-        <p:cTn id="1" dur="indefinite" restart="never" nodeType="tmRoot"/>
-      </p:par>
-    </p:tnLst>
-  </p:timing>
 </p:sld>
 </file>
 
@@ -7225,10 +7914,34 @@
                 <a:tableStyleId>{5940675A-B579-460E-94D1-54222C63F5DA}</a:tableStyleId>
               </a:tblPr>
               <a:tblGrid>
-                <a:gridCol w="1103313"/>
-                <a:gridCol w="1103313"/>
-                <a:gridCol w="1226426"/>
-                <a:gridCol w="980199"/>
+                <a:gridCol w="1103313">
+                  <a:extLst>
+                    <a:ext uri="{9D8B030D-6E8A-4147-A177-3AD203B41FA5}">
+                      <a16:colId xmlns:a16="http://schemas.microsoft.com/office/drawing/2014/main" val="20000"/>
+                    </a:ext>
+                  </a:extLst>
+                </a:gridCol>
+                <a:gridCol w="1103313">
+                  <a:extLst>
+                    <a:ext uri="{9D8B030D-6E8A-4147-A177-3AD203B41FA5}">
+                      <a16:colId xmlns:a16="http://schemas.microsoft.com/office/drawing/2014/main" val="20001"/>
+                    </a:ext>
+                  </a:extLst>
+                </a:gridCol>
+                <a:gridCol w="1226426">
+                  <a:extLst>
+                    <a:ext uri="{9D8B030D-6E8A-4147-A177-3AD203B41FA5}">
+                      <a16:colId xmlns:a16="http://schemas.microsoft.com/office/drawing/2014/main" val="20002"/>
+                    </a:ext>
+                  </a:extLst>
+                </a:gridCol>
+                <a:gridCol w="980199">
+                  <a:extLst>
+                    <a:ext uri="{9D8B030D-6E8A-4147-A177-3AD203B41FA5}">
+                      <a16:colId xmlns:a16="http://schemas.microsoft.com/office/drawing/2014/main" val="20003"/>
+                    </a:ext>
+                  </a:extLst>
+                </a:gridCol>
               </a:tblGrid>
               <a:tr h="518252">
                 <a:tc>
@@ -7238,17 +7951,16 @@
                     <a:p>
                       <a:pPr algn="ctr"/>
                       <a:r>
-                        <a:rPr lang="en-US" sz="1400" b="1" dirty="0" smtClean="0"/>
+                        <a:rPr lang="en-US" sz="1400" b="1" dirty="0"/>
                         <a:t>Time Point </a:t>
                       </a:r>
                       <a:br>
-                        <a:rPr lang="en-US" sz="1400" b="1" dirty="0" smtClean="0"/>
+                        <a:rPr lang="en-US" sz="1400" b="1" dirty="0"/>
                       </a:br>
                       <a:r>
-                        <a:rPr lang="en-US" sz="1400" b="1" dirty="0" smtClean="0"/>
+                        <a:rPr lang="en-US" sz="1400" b="1" dirty="0"/>
                         <a:t>(n)</a:t>
                       </a:r>
-                      <a:endParaRPr lang="en-US" sz="1400" b="1" dirty="0"/>
                     </a:p>
                   </a:txBody>
                   <a:tcPr marL="91454" marR="91454" marT="45728" marB="45728"/>
@@ -7260,10 +7972,9 @@
                     <a:p>
                       <a:pPr algn="ctr"/>
                       <a:r>
-                        <a:rPr lang="en-US" sz="1400" b="1" dirty="0" smtClean="0"/>
+                        <a:rPr lang="en-US" sz="1400" b="1" dirty="0"/>
                         <a:t>Binary Word</a:t>
                       </a:r>
-                      <a:endParaRPr lang="en-US" sz="1400" b="1" dirty="0"/>
                     </a:p>
                   </a:txBody>
                   <a:tcPr marL="91454" marR="91454" marT="45728" marB="45728"/>
@@ -7275,10 +7986,9 @@
                     <a:p>
                       <a:pPr algn="ctr"/>
                       <a:r>
-                        <a:rPr lang="en-US" sz="1400" b="1" dirty="0" smtClean="0"/>
+                        <a:rPr lang="en-US" sz="1400" b="1" dirty="0"/>
                         <a:t>Reversed-Bit Word</a:t>
                       </a:r>
-                      <a:endParaRPr lang="en-US" sz="1400" b="1" dirty="0"/>
                     </a:p>
                   </a:txBody>
                   <a:tcPr marL="91454" marR="91454" marT="45728" marB="45728"/>
@@ -7290,14 +8000,18 @@
                     <a:p>
                       <a:pPr algn="ctr"/>
                       <a:r>
-                        <a:rPr lang="en-US" sz="1400" b="1" dirty="0" smtClean="0"/>
+                        <a:rPr lang="en-US" sz="1400" b="1" dirty="0"/>
                         <a:t>Order</a:t>
                       </a:r>
-                      <a:endParaRPr lang="en-US" sz="1400" b="1" dirty="0"/>
                     </a:p>
                   </a:txBody>
                   <a:tcPr marL="91454" marR="91454" marT="45728" marB="45728"/>
                 </a:tc>
+                <a:extLst>
+                  <a:ext uri="{0D108BD9-81ED-4DB2-BD59-A6C34878D82A}">
+                    <a16:rowId xmlns:a16="http://schemas.microsoft.com/office/drawing/2014/main" val="10000"/>
+                  </a:ext>
+                </a:extLst>
               </a:tr>
               <a:tr h="371384">
                 <a:tc>
@@ -7307,10 +8021,9 @@
                     <a:p>
                       <a:pPr algn="ctr"/>
                       <a:r>
-                        <a:rPr lang="en-US" sz="1400" b="1" dirty="0" smtClean="0"/>
+                        <a:rPr lang="en-US" sz="1400" b="1" dirty="0"/>
                         <a:t>0</a:t>
                       </a:r>
-                      <a:endParaRPr lang="en-US" sz="1400" b="1" dirty="0"/>
                     </a:p>
                   </a:txBody>
                   <a:tcPr marL="91454" marR="91454" marT="45728" marB="45728"/>
@@ -7322,10 +8035,9 @@
                     <a:p>
                       <a:pPr algn="ctr"/>
                       <a:r>
-                        <a:rPr lang="en-US" sz="1400" b="1" dirty="0" smtClean="0"/>
+                        <a:rPr lang="en-US" sz="1400" b="1" dirty="0"/>
                         <a:t>000</a:t>
                       </a:r>
-                      <a:endParaRPr lang="en-US" sz="1400" b="1" dirty="0"/>
                     </a:p>
                   </a:txBody>
                   <a:tcPr marL="91454" marR="91454" marT="45728" marB="45728"/>
@@ -7337,10 +8049,9 @@
                     <a:p>
                       <a:pPr algn="ctr"/>
                       <a:r>
-                        <a:rPr lang="en-US" sz="1400" b="1" dirty="0" smtClean="0"/>
+                        <a:rPr lang="en-US" sz="1400" b="1" dirty="0"/>
                         <a:t>000</a:t>
                       </a:r>
-                      <a:endParaRPr lang="en-US" sz="1400" b="1" dirty="0"/>
                     </a:p>
                   </a:txBody>
                   <a:tcPr marL="91454" marR="91454" marT="45728" marB="45728"/>
@@ -7352,13 +8063,18 @@
                     <a:p>
                       <a:pPr algn="ctr"/>
                       <a:r>
-                        <a:rPr lang="en-US" sz="1400" b="1" dirty="0" smtClean="0"/>
+                        <a:rPr lang="en-US" sz="1400" b="1" dirty="0"/>
                         <a:t>x[0]</a:t>
                       </a:r>
                     </a:p>
                   </a:txBody>
                   <a:tcPr marL="91454" marR="91454" marT="45728" marB="45728"/>
                 </a:tc>
+                <a:extLst>
+                  <a:ext uri="{0D108BD9-81ED-4DB2-BD59-A6C34878D82A}">
+                    <a16:rowId xmlns:a16="http://schemas.microsoft.com/office/drawing/2014/main" val="10001"/>
+                  </a:ext>
+                </a:extLst>
               </a:tr>
               <a:tr h="371384">
                 <a:tc>
@@ -7368,10 +8084,9 @@
                     <a:p>
                       <a:pPr algn="ctr"/>
                       <a:r>
-                        <a:rPr lang="en-US" sz="1400" b="1" dirty="0" smtClean="0"/>
+                        <a:rPr lang="en-US" sz="1400" b="1" dirty="0"/>
                         <a:t>1</a:t>
                       </a:r>
-                      <a:endParaRPr lang="en-US" sz="1400" b="1" dirty="0"/>
                     </a:p>
                   </a:txBody>
                   <a:tcPr marL="91454" marR="91454" marT="45728" marB="45728"/>
@@ -7383,10 +8098,9 @@
                     <a:p>
                       <a:pPr algn="ctr"/>
                       <a:r>
-                        <a:rPr lang="en-US" sz="1400" b="1" dirty="0" smtClean="0"/>
+                        <a:rPr lang="en-US" sz="1400" b="1" dirty="0"/>
                         <a:t>001</a:t>
                       </a:r>
-                      <a:endParaRPr lang="en-US" sz="1400" b="1" dirty="0"/>
                     </a:p>
                   </a:txBody>
                   <a:tcPr marL="91454" marR="91454" marT="45728" marB="45728"/>
@@ -7398,10 +8112,9 @@
                     <a:p>
                       <a:pPr algn="ctr"/>
                       <a:r>
-                        <a:rPr lang="en-US" sz="1400" b="1" dirty="0" smtClean="0"/>
+                        <a:rPr lang="en-US" sz="1400" b="1" dirty="0"/>
                         <a:t>100</a:t>
                       </a:r>
-                      <a:endParaRPr lang="en-US" sz="1400" b="1" dirty="0"/>
                     </a:p>
                   </a:txBody>
                   <a:tcPr marL="91454" marR="91454" marT="45728" marB="45728"/>
@@ -7413,14 +8126,18 @@
                     <a:p>
                       <a:pPr algn="ctr"/>
                       <a:r>
-                        <a:rPr lang="en-US" sz="1400" b="1" dirty="0" smtClean="0"/>
+                        <a:rPr lang="en-US" sz="1400" b="1" dirty="0"/>
                         <a:t>x[4]</a:t>
                       </a:r>
-                      <a:endParaRPr lang="en-US" sz="1400" b="1" dirty="0"/>
                     </a:p>
                   </a:txBody>
                   <a:tcPr marL="91454" marR="91454" marT="45728" marB="45728"/>
                 </a:tc>
+                <a:extLst>
+                  <a:ext uri="{0D108BD9-81ED-4DB2-BD59-A6C34878D82A}">
+                    <a16:rowId xmlns:a16="http://schemas.microsoft.com/office/drawing/2014/main" val="10002"/>
+                  </a:ext>
+                </a:extLst>
               </a:tr>
               <a:tr h="371384">
                 <a:tc>
@@ -7430,10 +8147,9 @@
                     <a:p>
                       <a:pPr algn="ctr"/>
                       <a:r>
-                        <a:rPr lang="en-US" sz="1400" b="1" dirty="0" smtClean="0"/>
+                        <a:rPr lang="en-US" sz="1400" b="1" dirty="0"/>
                         <a:t>2</a:t>
                       </a:r>
-                      <a:endParaRPr lang="en-US" sz="1400" b="1" dirty="0"/>
                     </a:p>
                   </a:txBody>
                   <a:tcPr marL="91454" marR="91454" marT="45728" marB="45728"/>
@@ -7445,10 +8161,9 @@
                     <a:p>
                       <a:pPr algn="ctr"/>
                       <a:r>
-                        <a:rPr lang="en-US" sz="1400" b="1" dirty="0" smtClean="0"/>
+                        <a:rPr lang="en-US" sz="1400" b="1" dirty="0"/>
                         <a:t>010</a:t>
                       </a:r>
-                      <a:endParaRPr lang="en-US" sz="1400" b="1" dirty="0"/>
                     </a:p>
                   </a:txBody>
                   <a:tcPr marL="91454" marR="91454" marT="45728" marB="45728"/>
@@ -7460,10 +8175,9 @@
                     <a:p>
                       <a:pPr algn="ctr"/>
                       <a:r>
-                        <a:rPr lang="en-US" sz="1400" b="1" dirty="0" smtClean="0"/>
+                        <a:rPr lang="en-US" sz="1400" b="1" dirty="0"/>
                         <a:t>010</a:t>
                       </a:r>
-                      <a:endParaRPr lang="en-US" sz="1400" b="1" dirty="0"/>
                     </a:p>
                   </a:txBody>
                   <a:tcPr marL="91454" marR="91454" marT="45728" marB="45728"/>
@@ -7475,14 +8189,18 @@
                     <a:p>
                       <a:pPr algn="ctr"/>
                       <a:r>
-                        <a:rPr lang="en-US" sz="1400" b="1" dirty="0" smtClean="0"/>
+                        <a:rPr lang="en-US" sz="1400" b="1" dirty="0"/>
                         <a:t>x[2]</a:t>
                       </a:r>
-                      <a:endParaRPr lang="en-US" sz="1400" b="1" dirty="0"/>
                     </a:p>
                   </a:txBody>
                   <a:tcPr marL="91454" marR="91454" marT="45728" marB="45728"/>
                 </a:tc>
+                <a:extLst>
+                  <a:ext uri="{0D108BD9-81ED-4DB2-BD59-A6C34878D82A}">
+                    <a16:rowId xmlns:a16="http://schemas.microsoft.com/office/drawing/2014/main" val="10003"/>
+                  </a:ext>
+                </a:extLst>
               </a:tr>
               <a:tr h="371384">
                 <a:tc>
@@ -7492,10 +8210,9 @@
                     <a:p>
                       <a:pPr algn="ctr"/>
                       <a:r>
-                        <a:rPr lang="en-US" sz="1400" b="1" dirty="0" smtClean="0"/>
+                        <a:rPr lang="en-US" sz="1400" b="1" dirty="0"/>
                         <a:t>3</a:t>
                       </a:r>
-                      <a:endParaRPr lang="en-US" sz="1400" b="1" dirty="0"/>
                     </a:p>
                   </a:txBody>
                   <a:tcPr marL="91454" marR="91454" marT="45728" marB="45728"/>
@@ -7507,10 +8224,9 @@
                     <a:p>
                       <a:pPr algn="ctr"/>
                       <a:r>
-                        <a:rPr lang="en-US" sz="1400" b="1" dirty="0" smtClean="0"/>
+                        <a:rPr lang="en-US" sz="1400" b="1" dirty="0"/>
                         <a:t>011</a:t>
                       </a:r>
-                      <a:endParaRPr lang="en-US" sz="1400" b="1" dirty="0"/>
                     </a:p>
                   </a:txBody>
                   <a:tcPr marL="91454" marR="91454" marT="45728" marB="45728"/>
@@ -7522,10 +8238,9 @@
                     <a:p>
                       <a:pPr algn="ctr"/>
                       <a:r>
-                        <a:rPr lang="en-US" sz="1400" b="1" dirty="0" smtClean="0"/>
+                        <a:rPr lang="en-US" sz="1400" b="1" dirty="0"/>
                         <a:t>110</a:t>
                       </a:r>
-                      <a:endParaRPr lang="en-US" sz="1400" b="1" dirty="0"/>
                     </a:p>
                   </a:txBody>
                   <a:tcPr marL="91454" marR="91454" marT="45728" marB="45728"/>
@@ -7537,14 +8252,18 @@
                     <a:p>
                       <a:pPr algn="ctr"/>
                       <a:r>
-                        <a:rPr lang="en-US" sz="1400" b="1" dirty="0" smtClean="0"/>
+                        <a:rPr lang="en-US" sz="1400" b="1" dirty="0"/>
                         <a:t>x[6]</a:t>
                       </a:r>
-                      <a:endParaRPr lang="en-US" sz="1400" b="1" dirty="0"/>
                     </a:p>
                   </a:txBody>
                   <a:tcPr marL="91454" marR="91454" marT="45728" marB="45728"/>
                 </a:tc>
+                <a:extLst>
+                  <a:ext uri="{0D108BD9-81ED-4DB2-BD59-A6C34878D82A}">
+                    <a16:rowId xmlns:a16="http://schemas.microsoft.com/office/drawing/2014/main" val="10004"/>
+                  </a:ext>
+                </a:extLst>
               </a:tr>
               <a:tr h="371384">
                 <a:tc>
@@ -7554,10 +8273,9 @@
                     <a:p>
                       <a:pPr algn="ctr"/>
                       <a:r>
-                        <a:rPr lang="en-US" sz="1400" b="1" dirty="0" smtClean="0"/>
+                        <a:rPr lang="en-US" sz="1400" b="1" dirty="0"/>
                         <a:t>4</a:t>
                       </a:r>
-                      <a:endParaRPr lang="en-US" sz="1400" b="1" dirty="0"/>
                     </a:p>
                   </a:txBody>
                   <a:tcPr marL="91454" marR="91454" marT="45728" marB="45728"/>
@@ -7569,10 +8287,9 @@
                     <a:p>
                       <a:pPr algn="ctr"/>
                       <a:r>
-                        <a:rPr lang="en-US" sz="1400" b="1" dirty="0" smtClean="0"/>
+                        <a:rPr lang="en-US" sz="1400" b="1" dirty="0"/>
                         <a:t>100</a:t>
                       </a:r>
-                      <a:endParaRPr lang="en-US" sz="1400" b="1" dirty="0"/>
                     </a:p>
                   </a:txBody>
                   <a:tcPr marL="91454" marR="91454" marT="45728" marB="45728"/>
@@ -7584,10 +8301,9 @@
                     <a:p>
                       <a:pPr algn="ctr"/>
                       <a:r>
-                        <a:rPr lang="en-US" sz="1400" b="1" dirty="0" smtClean="0"/>
+                        <a:rPr lang="en-US" sz="1400" b="1" dirty="0"/>
                         <a:t>001</a:t>
                       </a:r>
-                      <a:endParaRPr lang="en-US" sz="1400" b="1" dirty="0"/>
                     </a:p>
                   </a:txBody>
                   <a:tcPr marL="91454" marR="91454" marT="45728" marB="45728"/>
@@ -7599,14 +8315,18 @@
                     <a:p>
                       <a:pPr algn="ctr"/>
                       <a:r>
-                        <a:rPr lang="en-US" sz="1400" b="1" dirty="0" smtClean="0"/>
+                        <a:rPr lang="en-US" sz="1400" b="1" dirty="0"/>
                         <a:t>x[1]</a:t>
                       </a:r>
-                      <a:endParaRPr lang="en-US" sz="1400" b="1" dirty="0"/>
                     </a:p>
                   </a:txBody>
                   <a:tcPr marL="91454" marR="91454" marT="45728" marB="45728"/>
                 </a:tc>
+                <a:extLst>
+                  <a:ext uri="{0D108BD9-81ED-4DB2-BD59-A6C34878D82A}">
+                    <a16:rowId xmlns:a16="http://schemas.microsoft.com/office/drawing/2014/main" val="10005"/>
+                  </a:ext>
+                </a:extLst>
               </a:tr>
               <a:tr h="371384">
                 <a:tc>
@@ -7616,10 +8336,9 @@
                     <a:p>
                       <a:pPr algn="ctr"/>
                       <a:r>
-                        <a:rPr lang="en-US" sz="1400" b="1" dirty="0" smtClean="0"/>
+                        <a:rPr lang="en-US" sz="1400" b="1" dirty="0"/>
                         <a:t>5</a:t>
                       </a:r>
-                      <a:endParaRPr lang="en-US" sz="1400" b="1" dirty="0"/>
                     </a:p>
                   </a:txBody>
                   <a:tcPr marL="91454" marR="91454" marT="45728" marB="45728"/>
@@ -7631,10 +8350,9 @@
                     <a:p>
                       <a:pPr algn="ctr"/>
                       <a:r>
-                        <a:rPr lang="en-US" sz="1400" b="1" dirty="0" smtClean="0"/>
+                        <a:rPr lang="en-US" sz="1400" b="1" dirty="0"/>
                         <a:t>101</a:t>
                       </a:r>
-                      <a:endParaRPr lang="en-US" sz="1400" b="1" dirty="0"/>
                     </a:p>
                   </a:txBody>
                   <a:tcPr marL="91454" marR="91454" marT="45728" marB="45728"/>
@@ -7646,10 +8364,9 @@
                     <a:p>
                       <a:pPr algn="ctr"/>
                       <a:r>
-                        <a:rPr lang="en-US" sz="1400" b="1" dirty="0" smtClean="0"/>
+                        <a:rPr lang="en-US" sz="1400" b="1" dirty="0"/>
                         <a:t>101</a:t>
                       </a:r>
-                      <a:endParaRPr lang="en-US" sz="1400" b="1" dirty="0"/>
                     </a:p>
                   </a:txBody>
                   <a:tcPr marL="91454" marR="91454" marT="45728" marB="45728"/>
@@ -7661,14 +8378,18 @@
                     <a:p>
                       <a:pPr algn="ctr"/>
                       <a:r>
-                        <a:rPr lang="en-US" sz="1400" b="1" dirty="0" smtClean="0"/>
+                        <a:rPr lang="en-US" sz="1400" b="1" dirty="0"/>
                         <a:t>x[5]</a:t>
                       </a:r>
-                      <a:endParaRPr lang="en-US" sz="1400" b="1" dirty="0"/>
                     </a:p>
                   </a:txBody>
                   <a:tcPr marL="91454" marR="91454" marT="45728" marB="45728"/>
                 </a:tc>
+                <a:extLst>
+                  <a:ext uri="{0D108BD9-81ED-4DB2-BD59-A6C34878D82A}">
+                    <a16:rowId xmlns:a16="http://schemas.microsoft.com/office/drawing/2014/main" val="10006"/>
+                  </a:ext>
+                </a:extLst>
               </a:tr>
               <a:tr h="371384">
                 <a:tc>
@@ -7678,10 +8399,9 @@
                     <a:p>
                       <a:pPr algn="ctr"/>
                       <a:r>
-                        <a:rPr lang="en-US" sz="1400" b="1" dirty="0" smtClean="0"/>
+                        <a:rPr lang="en-US" sz="1400" b="1" dirty="0"/>
                         <a:t>6</a:t>
                       </a:r>
-                      <a:endParaRPr lang="en-US" sz="1400" b="1" dirty="0"/>
                     </a:p>
                   </a:txBody>
                   <a:tcPr marL="91454" marR="91454" marT="45728" marB="45728"/>
@@ -7693,10 +8413,9 @@
                     <a:p>
                       <a:pPr algn="ctr"/>
                       <a:r>
-                        <a:rPr lang="en-US" sz="1400" b="1" dirty="0" smtClean="0"/>
+                        <a:rPr lang="en-US" sz="1400" b="1" dirty="0"/>
                         <a:t>110</a:t>
                       </a:r>
-                      <a:endParaRPr lang="en-US" sz="1400" b="1" dirty="0"/>
                     </a:p>
                   </a:txBody>
                   <a:tcPr marL="91454" marR="91454" marT="45728" marB="45728"/>
@@ -7708,10 +8427,9 @@
                     <a:p>
                       <a:pPr algn="ctr"/>
                       <a:r>
-                        <a:rPr lang="en-US" sz="1400" b="1" dirty="0" smtClean="0"/>
+                        <a:rPr lang="en-US" sz="1400" b="1" dirty="0"/>
                         <a:t>011</a:t>
                       </a:r>
-                      <a:endParaRPr lang="en-US" sz="1400" b="1" dirty="0"/>
                     </a:p>
                   </a:txBody>
                   <a:tcPr marL="91454" marR="91454" marT="45728" marB="45728"/>
@@ -7723,14 +8441,18 @@
                     <a:p>
                       <a:pPr algn="ctr"/>
                       <a:r>
-                        <a:rPr lang="en-US" sz="1400" b="1" dirty="0" smtClean="0"/>
+                        <a:rPr lang="en-US" sz="1400" b="1" dirty="0"/>
                         <a:t>x[3]</a:t>
                       </a:r>
-                      <a:endParaRPr lang="en-US" sz="1400" b="1" dirty="0"/>
                     </a:p>
                   </a:txBody>
                   <a:tcPr marL="91454" marR="91454" marT="45728" marB="45728"/>
                 </a:tc>
+                <a:extLst>
+                  <a:ext uri="{0D108BD9-81ED-4DB2-BD59-A6C34878D82A}">
+                    <a16:rowId xmlns:a16="http://schemas.microsoft.com/office/drawing/2014/main" val="10007"/>
+                  </a:ext>
+                </a:extLst>
               </a:tr>
               <a:tr h="371384">
                 <a:tc>
@@ -7740,10 +8462,9 @@
                     <a:p>
                       <a:pPr algn="ctr"/>
                       <a:r>
-                        <a:rPr lang="en-US" sz="1400" b="1" dirty="0" smtClean="0"/>
+                        <a:rPr lang="en-US" sz="1400" b="1" dirty="0"/>
                         <a:t>7</a:t>
                       </a:r>
-                      <a:endParaRPr lang="en-US" sz="1400" b="1" dirty="0"/>
                     </a:p>
                   </a:txBody>
                   <a:tcPr marL="91454" marR="91454" marT="45728" marB="45728"/>
@@ -7755,10 +8476,9 @@
                     <a:p>
                       <a:pPr algn="ctr"/>
                       <a:r>
-                        <a:rPr lang="en-US" sz="1400" b="1" dirty="0" smtClean="0"/>
+                        <a:rPr lang="en-US" sz="1400" b="1" dirty="0"/>
                         <a:t>111</a:t>
                       </a:r>
-                      <a:endParaRPr lang="en-US" sz="1400" b="1" dirty="0"/>
                     </a:p>
                   </a:txBody>
                   <a:tcPr marL="91454" marR="91454" marT="45728" marB="45728"/>
@@ -7770,10 +8490,9 @@
                     <a:p>
                       <a:pPr algn="ctr"/>
                       <a:r>
-                        <a:rPr lang="en-US" sz="1400" b="1" dirty="0" smtClean="0"/>
+                        <a:rPr lang="en-US" sz="1400" b="1" dirty="0"/>
                         <a:t>111</a:t>
                       </a:r>
-                      <a:endParaRPr lang="en-US" sz="1400" b="1" dirty="0"/>
                     </a:p>
                   </a:txBody>
                   <a:tcPr marL="91454" marR="91454" marT="45728" marB="45728"/>
@@ -7785,14 +8504,18 @@
                     <a:p>
                       <a:pPr algn="ctr"/>
                       <a:r>
-                        <a:rPr lang="en-US" sz="1400" b="1" dirty="0" smtClean="0"/>
+                        <a:rPr lang="en-US" sz="1400" b="1" dirty="0"/>
                         <a:t>x[7]</a:t>
                       </a:r>
-                      <a:endParaRPr lang="en-US" sz="1400" b="1" dirty="0"/>
                     </a:p>
                   </a:txBody>
                   <a:tcPr marL="91454" marR="91454" marT="45728" marB="45728"/>
                 </a:tc>
+                <a:extLst>
+                  <a:ext uri="{0D108BD9-81ED-4DB2-BD59-A6C34878D82A}">
+                    <a16:rowId xmlns:a16="http://schemas.microsoft.com/office/drawing/2014/main" val="10008"/>
+                  </a:ext>
+                </a:extLst>
               </a:tr>
             </a:tbl>
           </a:graphicData>
@@ -7808,13 +8531,6 @@
   <p:clrMapOvr>
     <a:masterClrMapping/>
   </p:clrMapOvr>
-  <p:timing>
-    <p:tnLst>
-      <p:par>
-        <p:cTn id="1" dur="indefinite" restart="never" nodeType="tmRoot"/>
-      </p:par>
-    </p:tnLst>
-  </p:timing>
 </p:sld>
 </file>
 
@@ -8245,7 +8961,7 @@
           <a:graphicData uri="http://schemas.openxmlformats.org/presentationml/2006/ole">
             <mc:AlternateContent xmlns:mc="http://schemas.openxmlformats.org/markup-compatibility/2006">
               <mc:Choice xmlns:v="urn:schemas-microsoft-com:vml" Requires="v">
-                <p:oleObj spid="_x0000_s3086" name="Equation" r:id="rId3" imgW="1905000" imgH="431800" progId="Equation.3">
+                <p:oleObj spid="_x0000_s3090" name="Equation" r:id="rId3" imgW="1905000" imgH="431800" progId="Equation.3">
                   <p:embed/>
                 </p:oleObj>
               </mc:Choice>
@@ -8440,7 +9156,7 @@
           <a:graphicData uri="http://schemas.openxmlformats.org/presentationml/2006/ole">
             <mc:AlternateContent xmlns:mc="http://schemas.openxmlformats.org/markup-compatibility/2006">
               <mc:Choice xmlns:v="urn:schemas-microsoft-com:vml" Requires="v">
-                <p:oleObj spid="_x0000_s3087" name="Equation" r:id="rId8" imgW="1676400" imgH="431800" progId="Equation.3">
+                <p:oleObj spid="_x0000_s3091" name="Equation" r:id="rId8" imgW="1676400" imgH="431800" progId="Equation.3">
                   <p:embed/>
                 </p:oleObj>
               </mc:Choice>
@@ -8523,7 +9239,7 @@
           <a:graphicData uri="http://schemas.openxmlformats.org/presentationml/2006/ole">
             <mc:AlternateContent xmlns:mc="http://schemas.openxmlformats.org/markup-compatibility/2006">
               <mc:Choice xmlns:v="urn:schemas-microsoft-com:vml" Requires="v">
-                <p:oleObj spid="_x0000_s3088" name="Equation" r:id="rId10" imgW="1459866" imgH="203112" progId="Equation.3">
+                <p:oleObj spid="_x0000_s3092" name="Equation" r:id="rId10" imgW="1459866" imgH="203112" progId="Equation.3">
                   <p:embed/>
                 </p:oleObj>
               </mc:Choice>
@@ -8606,7 +9322,7 @@
           <a:graphicData uri="http://schemas.openxmlformats.org/presentationml/2006/ole">
             <mc:AlternateContent xmlns:mc="http://schemas.openxmlformats.org/markup-compatibility/2006">
               <mc:Choice xmlns:v="urn:schemas-microsoft-com:vml" Requires="v">
-                <p:oleObj spid="_x0000_s3089" name="Equation" r:id="rId12" imgW="1079500" imgH="228600" progId="Equation.3">
+                <p:oleObj spid="_x0000_s3093" name="Equation" r:id="rId12" imgW="1079500" imgH="228600" progId="Equation.3">
                   <p:embed/>
                 </p:oleObj>
               </mc:Choice>
@@ -8683,13 +9399,6 @@
   <p:clrMapOvr>
     <a:masterClrMapping/>
   </p:clrMapOvr>
-  <p:timing>
-    <p:tnLst>
-      <p:par>
-        <p:cTn id="1" dur="indefinite" restart="never" nodeType="tmRoot"/>
-      </p:par>
-    </p:tnLst>
-  </p:timing>
 </p:sld>
 </file>
 
@@ -9110,13 +9819,6 @@
   <p:clrMapOvr>
     <a:masterClrMapping/>
   </p:clrMapOvr>
-  <p:timing>
-    <p:tnLst>
-      <p:par>
-        <p:cTn id="1" dur="indefinite" restart="never" nodeType="tmRoot"/>
-      </p:par>
-    </p:tnLst>
-  </p:timing>
 </p:sld>
 </file>
 
@@ -9371,13 +10073,6 @@
   <p:clrMapOvr>
     <a:masterClrMapping/>
   </p:clrMapOvr>
-  <p:timing>
-    <p:tnLst>
-      <p:par>
-        <p:cTn id="1" dur="indefinite" restart="never" nodeType="tmRoot"/>
-      </p:par>
-    </p:tnLst>
-  </p:timing>
 </p:sld>
 </file>
 
@@ -9414,10 +10109,9 @@
           <a:lstStyle/>
           <a:p>
             <a:r>
-              <a:rPr lang="en-IN" dirty="0" smtClean="0"/>
+              <a:rPr lang="en-IN" dirty="0"/>
               <a:t>Discrete Fourier Transform (DFT)</a:t>
             </a:r>
-            <a:endParaRPr lang="en-IN" dirty="0"/>
           </a:p>
         </p:txBody>
       </p:sp>
@@ -9709,13 +10403,6 @@
   <p:clrMapOvr>
     <a:masterClrMapping/>
   </p:clrMapOvr>
-  <p:timing>
-    <p:tnLst>
-      <p:par>
-        <p:cTn id="1" dur="indefinite" restart="never" nodeType="tmRoot"/>
-      </p:par>
-    </p:tnLst>
-  </p:timing>
 </p:sld>
 </file>
 
@@ -10380,13 +11067,6 @@
   <p:clrMapOvr>
     <a:masterClrMapping/>
   </p:clrMapOvr>
-  <p:timing>
-    <p:tnLst>
-      <p:par>
-        <p:cTn id="1" dur="indefinite" restart="never" nodeType="tmRoot"/>
-      </p:par>
-    </p:tnLst>
-  </p:timing>
 </p:sld>
 </file>
 
@@ -10532,21 +11212,6 @@
   <p:clrMapOvr>
     <a:masterClrMapping/>
   </p:clrMapOvr>
-  <mc:AlternateContent xmlns:mc="http://schemas.openxmlformats.org/markup-compatibility/2006">
-    <mc:Choice xmlns:p14="http://schemas.microsoft.com/office/powerpoint/2010/main" Requires="p14">
-      <p:transition spd="slow" p14:dur="2000"/>
-    </mc:Choice>
-    <mc:Fallback>
-      <p:transition spd="slow"/>
-    </mc:Fallback>
-  </mc:AlternateContent>
-  <p:timing>
-    <p:tnLst>
-      <p:par>
-        <p:cTn id="1" dur="indefinite" restart="never" nodeType="tmRoot"/>
-      </p:par>
-    </p:tnLst>
-  </p:timing>
 </p:sld>
 </file>
 
@@ -10637,10 +11302,9 @@
           <a:lstStyle/>
           <a:p>
             <a:r>
-              <a:rPr lang="en-IN" dirty="0" smtClean="0"/>
+              <a:rPr lang="en-IN" dirty="0"/>
               <a:t>Understanding the DFT Formula</a:t>
             </a:r>
-            <a:endParaRPr lang="en-IN" dirty="0"/>
           </a:p>
         </p:txBody>
       </p:sp>
@@ -10714,10 +11378,9 @@
           <a:lstStyle/>
           <a:p>
             <a:r>
-              <a:rPr lang="en-IN" dirty="0" smtClean="0"/>
+              <a:rPr lang="en-IN" dirty="0"/>
               <a:t>Inverse Discrete Fourier Transform (IDFT)</a:t>
             </a:r>
-            <a:endParaRPr lang="en-IN" dirty="0"/>
           </a:p>
         </p:txBody>
       </p:sp>
@@ -10791,7 +11454,7 @@
           <a:lstStyle/>
           <a:p>
             <a:r>
-              <a:rPr lang="en-US" dirty="0" smtClean="0"/>
+              <a:rPr lang="en-US" dirty="0"/>
               <a:t>Simple DFT of a Sequence</a:t>
             </a:r>
             <a:endParaRPr lang="en-IN" dirty="0"/>
@@ -10922,7 +11585,7 @@
           <a:lstStyle/>
           <a:p>
             <a:r>
-              <a:rPr lang="en-US" dirty="0" smtClean="0"/>
+              <a:rPr lang="en-US" dirty="0"/>
               <a:t>DFT of a Cosine Wave</a:t>
             </a:r>
             <a:endParaRPr lang="en-IN" dirty="0"/>
